--- a/2014-11-23/esphome cli.pptx
+++ b/2014-11-23/esphome cli.pptx
@@ -5,56 +5,58 @@
     <p:sldMasterId id="2147483686" r:id="rId1"/>
   </p:sldMasterIdLst>
   <p:notesMasterIdLst>
-    <p:notesMasterId r:id="rId46"/>
+    <p:notesMasterId r:id="rId48"/>
   </p:notesMasterIdLst>
   <p:handoutMasterIdLst>
-    <p:handoutMasterId r:id="rId47"/>
+    <p:handoutMasterId r:id="rId49"/>
   </p:handoutMasterIdLst>
   <p:sldIdLst>
-    <p:sldId id="1433" r:id="rId2"/>
-    <p:sldId id="1380" r:id="rId3"/>
-    <p:sldId id="1381" r:id="rId4"/>
-    <p:sldId id="1382" r:id="rId5"/>
-    <p:sldId id="1434" r:id="rId6"/>
-    <p:sldId id="1435" r:id="rId7"/>
-    <p:sldId id="1326" r:id="rId8"/>
-    <p:sldId id="1269" r:id="rId9"/>
-    <p:sldId id="1271" r:id="rId10"/>
-    <p:sldId id="1439" r:id="rId11"/>
-    <p:sldId id="1441" r:id="rId12"/>
-    <p:sldId id="1442" r:id="rId13"/>
-    <p:sldId id="1444" r:id="rId14"/>
-    <p:sldId id="1445" r:id="rId15"/>
-    <p:sldId id="1443" r:id="rId16"/>
-    <p:sldId id="1277" r:id="rId17"/>
-    <p:sldId id="1285" r:id="rId18"/>
-    <p:sldId id="1446" r:id="rId19"/>
-    <p:sldId id="1278" r:id="rId20"/>
-    <p:sldId id="1413" r:id="rId21"/>
-    <p:sldId id="1405" r:id="rId22"/>
-    <p:sldId id="1414" r:id="rId23"/>
-    <p:sldId id="1415" r:id="rId24"/>
-    <p:sldId id="1416" r:id="rId25"/>
-    <p:sldId id="1417" r:id="rId26"/>
-    <p:sldId id="1436" r:id="rId27"/>
-    <p:sldId id="1437" r:id="rId28"/>
-    <p:sldId id="1438" r:id="rId29"/>
-    <p:sldId id="1418" r:id="rId30"/>
-    <p:sldId id="1408" r:id="rId31"/>
-    <p:sldId id="1419" r:id="rId32"/>
-    <p:sldId id="1420" r:id="rId33"/>
-    <p:sldId id="1270" r:id="rId34"/>
-    <p:sldId id="1450" r:id="rId35"/>
-    <p:sldId id="1282" r:id="rId36"/>
-    <p:sldId id="1284" r:id="rId37"/>
-    <p:sldId id="1449" r:id="rId38"/>
-    <p:sldId id="1447" r:id="rId39"/>
-    <p:sldId id="1289" r:id="rId40"/>
-    <p:sldId id="1290" r:id="rId41"/>
-    <p:sldId id="1292" r:id="rId42"/>
-    <p:sldId id="1448" r:id="rId43"/>
-    <p:sldId id="1451" r:id="rId44"/>
-    <p:sldId id="1452" r:id="rId45"/>
+    <p:sldId id="1373" r:id="rId2"/>
+    <p:sldId id="1383" r:id="rId3"/>
+    <p:sldId id="1433" r:id="rId4"/>
+    <p:sldId id="1380" r:id="rId5"/>
+    <p:sldId id="1381" r:id="rId6"/>
+    <p:sldId id="1382" r:id="rId7"/>
+    <p:sldId id="1434" r:id="rId8"/>
+    <p:sldId id="1435" r:id="rId9"/>
+    <p:sldId id="1326" r:id="rId10"/>
+    <p:sldId id="1269" r:id="rId11"/>
+    <p:sldId id="1271" r:id="rId12"/>
+    <p:sldId id="1439" r:id="rId13"/>
+    <p:sldId id="1441" r:id="rId14"/>
+    <p:sldId id="1442" r:id="rId15"/>
+    <p:sldId id="1444" r:id="rId16"/>
+    <p:sldId id="1445" r:id="rId17"/>
+    <p:sldId id="1443" r:id="rId18"/>
+    <p:sldId id="1277" r:id="rId19"/>
+    <p:sldId id="1285" r:id="rId20"/>
+    <p:sldId id="1446" r:id="rId21"/>
+    <p:sldId id="1278" r:id="rId22"/>
+    <p:sldId id="1413" r:id="rId23"/>
+    <p:sldId id="1405" r:id="rId24"/>
+    <p:sldId id="1414" r:id="rId25"/>
+    <p:sldId id="1415" r:id="rId26"/>
+    <p:sldId id="1416" r:id="rId27"/>
+    <p:sldId id="1417" r:id="rId28"/>
+    <p:sldId id="1436" r:id="rId29"/>
+    <p:sldId id="1437" r:id="rId30"/>
+    <p:sldId id="1438" r:id="rId31"/>
+    <p:sldId id="1418" r:id="rId32"/>
+    <p:sldId id="1408" r:id="rId33"/>
+    <p:sldId id="1419" r:id="rId34"/>
+    <p:sldId id="1420" r:id="rId35"/>
+    <p:sldId id="1270" r:id="rId36"/>
+    <p:sldId id="1450" r:id="rId37"/>
+    <p:sldId id="1282" r:id="rId38"/>
+    <p:sldId id="1284" r:id="rId39"/>
+    <p:sldId id="1449" r:id="rId40"/>
+    <p:sldId id="1447" r:id="rId41"/>
+    <p:sldId id="1289" r:id="rId42"/>
+    <p:sldId id="1290" r:id="rId43"/>
+    <p:sldId id="1292" r:id="rId44"/>
+    <p:sldId id="1448" r:id="rId45"/>
+    <p:sldId id="1451" r:id="rId46"/>
+    <p:sldId id="1452" r:id="rId47"/>
   </p:sldIdLst>
   <p:sldSz cx="9144000" cy="6858000" type="screen4x3"/>
   <p:notesSz cx="6797675" cy="9926638"/>
@@ -323,7 +325,7 @@
               <a:pPr>
                 <a:defRPr/>
               </a:pPr>
-              <a:t>18.11.2024</a:t>
+              <a:t>23.11.2024</a:t>
             </a:fld>
             <a:endParaRPr lang="de-AT"/>
           </a:p>
@@ -538,7 +540,7 @@
               <a:pPr>
                 <a:defRPr/>
               </a:pPr>
-              <a:t>18.11.2024</a:t>
+              <a:t>23.11.2024</a:t>
             </a:fld>
             <a:endParaRPr lang="de-AT"/>
           </a:p>
@@ -954,7 +956,7 @@
               <a:pPr>
                 <a:defRPr/>
               </a:pPr>
-              <a:t>7</a:t>
+              <a:t>9</a:t>
             </a:fld>
             <a:endParaRPr lang="de-AT"/>
           </a:p>
@@ -1478,7 +1480,7 @@
               <a:pPr>
                 <a:defRPr/>
               </a:pPr>
-              <a:t>38</a:t>
+              <a:t>40</a:t>
             </a:fld>
             <a:endParaRPr lang="de-AT"/>
           </a:p>
@@ -2393,7 +2395,7 @@
               <a:pPr>
                 <a:defRPr/>
               </a:pPr>
-              <a:t>42</a:t>
+              <a:t>44</a:t>
             </a:fld>
             <a:endParaRPr lang="de-AT"/>
           </a:p>
@@ -3198,7 +3200,7 @@
               <a:pPr>
                 <a:defRPr/>
               </a:pPr>
-              <a:t>44</a:t>
+              <a:t>46</a:t>
             </a:fld>
             <a:endParaRPr lang="de-AT"/>
           </a:p>
@@ -4530,7 +4532,7 @@
           <p:cNvPr id="2" name="Titel 1">
             <a:extLst>
               <a:ext uri="{FF2B5EF4-FFF2-40B4-BE49-F238E27FC236}">
-                <a16:creationId xmlns:a16="http://schemas.microsoft.com/office/drawing/2014/main" id="{84921BF9-E160-75F0-2BE8-06AA37A9E0F9}"/>
+                <a16:creationId xmlns:a16="http://schemas.microsoft.com/office/drawing/2014/main" id="{DB1407A4-09EB-B957-0EE8-B28CAD562737}"/>
               </a:ext>
             </a:extLst>
           </p:cNvPr>
@@ -4547,12 +4549,8 @@
           <a:lstStyle/>
           <a:p>
             <a:r>
-              <a:rPr lang="de-AT" dirty="0" err="1"/>
-              <a:t>ESPHome</a:t>
-            </a:r>
-            <a:r>
-              <a:rPr lang="de-AT" dirty="0"/>
-              <a:t> CLI</a:t>
+              <a:rPr lang="de-AT" dirty="0"/>
+              <a:t>Integration ESP-basierter Geräte</a:t>
             </a:r>
           </a:p>
         </p:txBody>
@@ -4562,7 +4560,7 @@
           <p:cNvPr id="3" name="Textplatzhalter 2">
             <a:extLst>
               <a:ext uri="{FF2B5EF4-FFF2-40B4-BE49-F238E27FC236}">
-                <a16:creationId xmlns:a16="http://schemas.microsoft.com/office/drawing/2014/main" id="{70ACB41D-41D7-C6FE-0A40-D06D3B3D74D8}"/>
+                <a16:creationId xmlns:a16="http://schemas.microsoft.com/office/drawing/2014/main" id="{40A14B53-B8DC-A2B1-D3A2-FE6FE3F19D5E}"/>
               </a:ext>
             </a:extLst>
           </p:cNvPr>
@@ -4573,55 +4571,160 @@
             <p:ph type="body" sz="quarter" idx="10"/>
           </p:nvPr>
         </p:nvSpPr>
-        <p:spPr/>
+        <p:spPr>
+          <a:xfrm>
+            <a:off x="468313" y="980728"/>
+            <a:ext cx="8207375" cy="4608165"/>
+          </a:xfrm>
+        </p:spPr>
         <p:txBody>
           <a:bodyPr/>
           <a:lstStyle/>
           <a:p>
             <a:r>
               <a:rPr lang="de-AT" dirty="0"/>
-              <a:t>Wenn Installation über Web-Serial Probleme macht</a:t>
-            </a:r>
-          </a:p>
-          <a:p>
-            <a:r>
-              <a:rPr lang="de-AT" dirty="0"/>
-              <a:t>Im Vergleich zu der Weblösung komplexer</a:t>
+              <a:t>Shellies </a:t>
+            </a:r>
+            <a:r>
+              <a:rPr lang="de-AT" dirty="0">
+                <a:sym typeface="Wingdings" panose="05000000000000000000" pitchFamily="2" charset="2"/>
+              </a:rPr>
+              <a:t> direkte Integration</a:t>
+            </a:r>
+          </a:p>
+          <a:p>
+            <a:r>
+              <a:rPr lang="de-AT" dirty="0">
+                <a:sym typeface="Wingdings" panose="05000000000000000000" pitchFamily="2" charset="2"/>
+              </a:rPr>
+              <a:t>Viele Marken und Eigenbau</a:t>
             </a:r>
           </a:p>
           <a:p>
             <a:pPr lvl="1"/>
             <a:r>
-              <a:rPr lang="de-AT" dirty="0"/>
-              <a:t>Praktisch aber wesentlich besser „beobachtbar“</a:t>
-            </a:r>
-          </a:p>
-          <a:p>
-            <a:r>
-              <a:rPr lang="de-AT" dirty="0"/>
-              <a:t>Installation des Programms am Rechner</a:t>
-            </a:r>
-          </a:p>
-          <a:p>
-            <a:r>
-              <a:rPr lang="de-AT" dirty="0" err="1"/>
-              <a:t>Yaml</a:t>
-            </a:r>
-            <a:r>
-              <a:rPr lang="de-AT" dirty="0"/>
-              <a:t>-Dateien in einem Verzeichnis</a:t>
+              <a:rPr lang="de-AT" dirty="0">
+                <a:sym typeface="Wingdings" panose="05000000000000000000" pitchFamily="2" charset="2"/>
+              </a:rPr>
+              <a:t>Programmieren mit ESP-IDF</a:t>
+            </a:r>
+          </a:p>
+          <a:p>
+            <a:pPr lvl="2"/>
+            <a:r>
+              <a:rPr lang="de-AT" dirty="0">
+                <a:sym typeface="Wingdings" panose="05000000000000000000" pitchFamily="2" charset="2"/>
+              </a:rPr>
+              <a:t>Lernkurve</a:t>
+            </a:r>
+          </a:p>
+          <a:p>
+            <a:pPr lvl="2"/>
+            <a:r>
+              <a:rPr lang="de-AT" dirty="0">
+                <a:sym typeface="Wingdings" panose="05000000000000000000" pitchFamily="2" charset="2"/>
+              </a:rPr>
+              <a:t>Alle Möglichkeiten</a:t>
             </a:r>
           </a:p>
           <a:p>
             <a:pPr lvl="1"/>
             <a:r>
-              <a:rPr lang="de-AT" dirty="0"/>
-              <a:t>Secrets für SSID/Kennwort </a:t>
-            </a:r>
-            <a:r>
-              <a:rPr lang="de-AT" dirty="0" err="1"/>
-              <a:t>Mqtt-Permissions</a:t>
-            </a:r>
+              <a:rPr lang="de-AT" dirty="0" err="1">
+                <a:sym typeface="Wingdings" panose="05000000000000000000" pitchFamily="2" charset="2"/>
+              </a:rPr>
+              <a:t>Tasmota</a:t>
+            </a:r>
+            <a:r>
+              <a:rPr lang="de-AT" dirty="0">
+                <a:sym typeface="Wingdings" panose="05000000000000000000" pitchFamily="2" charset="2"/>
+              </a:rPr>
+              <a:t> (</a:t>
+            </a:r>
+            <a:r>
+              <a:rPr lang="de-AT" dirty="0">
+                <a:sym typeface="Wingdings" panose="05000000000000000000" pitchFamily="2" charset="2"/>
+                <a:hlinkClick r:id="rId2"/>
+              </a:rPr>
+              <a:t>https://www.tasmota.info/</a:t>
+            </a:r>
+            <a:r>
+              <a:rPr lang="de-AT" dirty="0">
+                <a:sym typeface="Wingdings" panose="05000000000000000000" pitchFamily="2" charset="2"/>
+              </a:rPr>
+              <a:t> )</a:t>
+            </a:r>
+          </a:p>
+          <a:p>
+            <a:pPr lvl="2"/>
+            <a:r>
+              <a:rPr lang="de-AT" dirty="0"/>
+              <a:t>Theo-Arends-</a:t>
+            </a:r>
+            <a:r>
+              <a:rPr lang="de-AT" dirty="0" err="1"/>
+              <a:t>Sonoff</a:t>
+            </a:r>
+            <a:r>
+              <a:rPr lang="de-AT" dirty="0"/>
+              <a:t>-MQTT-OTA</a:t>
+            </a:r>
+          </a:p>
+          <a:p>
+            <a:pPr lvl="2"/>
+            <a:r>
+              <a:rPr lang="de-AT" dirty="0" err="1"/>
+              <a:t>Flashen</a:t>
+            </a:r>
+            <a:r>
+              <a:rPr lang="de-AT" dirty="0"/>
+              <a:t> vieler ESP-Geräte möglich</a:t>
+            </a:r>
+          </a:p>
+          <a:p>
+            <a:pPr lvl="1"/>
+            <a:r>
+              <a:rPr lang="de-AT" dirty="0" err="1"/>
+              <a:t>ESPHome</a:t>
+            </a:r>
+            <a:r>
+              <a:rPr lang="de-AT" dirty="0"/>
+              <a:t> (</a:t>
+            </a:r>
+            <a:r>
+              <a:rPr lang="de-AT" dirty="0">
+                <a:hlinkClick r:id="rId3"/>
+              </a:rPr>
+              <a:t>https://esphome.io/</a:t>
+            </a:r>
+            <a:r>
+              <a:rPr lang="de-AT" dirty="0"/>
+              <a:t> )</a:t>
+            </a:r>
+          </a:p>
+          <a:p>
+            <a:pPr lvl="2"/>
+            <a:r>
+              <a:rPr lang="de-AT" dirty="0"/>
+              <a:t>Einfacher „Baukasten“ für eigene ESP-Geräte</a:t>
+            </a:r>
+          </a:p>
+          <a:p>
+            <a:pPr lvl="2"/>
+            <a:r>
+              <a:rPr lang="de-AT" dirty="0"/>
+              <a:t>Konfigurieren statt programmieren</a:t>
+            </a:r>
+          </a:p>
+          <a:p>
+            <a:pPr lvl="2"/>
+            <a:r>
+              <a:rPr lang="de-AT" dirty="0"/>
+              <a:t>Sehr gute HA-Integration</a:t>
+            </a:r>
+          </a:p>
+          <a:p>
+            <a:pPr lvl="2"/>
             <a:endParaRPr lang="de-AT" dirty="0"/>
           </a:p>
         </p:txBody>
@@ -4629,7 +4732,7 @@
     </p:spTree>
     <p:extLst>
       <p:ext uri="{BB962C8B-B14F-4D97-AF65-F5344CB8AC3E}">
-        <p14:creationId xmlns:p14="http://schemas.microsoft.com/office/powerpoint/2010/main" val="964469982"/>
+        <p14:creationId xmlns:p14="http://schemas.microsoft.com/office/powerpoint/2010/main" val="2314530936"/>
       </p:ext>
     </p:extLst>
   </p:cSld>
@@ -4661,6 +4764,242 @@
           <p:cNvPr id="2" name="Titel 1">
             <a:extLst>
               <a:ext uri="{FF2B5EF4-FFF2-40B4-BE49-F238E27FC236}">
+                <a16:creationId xmlns:a16="http://schemas.microsoft.com/office/drawing/2014/main" id="{6C711CC9-CACF-1FE9-2441-2A1B7BB96AD1}"/>
+              </a:ext>
+            </a:extLst>
+          </p:cNvPr>
+          <p:cNvSpPr>
+            <a:spLocks noGrp="1"/>
+          </p:cNvSpPr>
+          <p:nvPr>
+            <p:ph type="title"/>
+          </p:nvPr>
+        </p:nvSpPr>
+        <p:spPr/>
+        <p:txBody>
+          <a:bodyPr/>
+          <a:lstStyle/>
+          <a:p>
+            <a:r>
+              <a:rPr lang="de-AT" dirty="0"/>
+              <a:t>Verwendete Hardware – ESP32</a:t>
+            </a:r>
+          </a:p>
+        </p:txBody>
+      </p:sp>
+      <p:sp>
+        <p:nvSpPr>
+          <p:cNvPr id="3" name="Textplatzhalter 2">
+            <a:extLst>
+              <a:ext uri="{FF2B5EF4-FFF2-40B4-BE49-F238E27FC236}">
+                <a16:creationId xmlns:a16="http://schemas.microsoft.com/office/drawing/2014/main" id="{878383DE-2EB8-C99D-B95F-A8B24B64FEDE}"/>
+              </a:ext>
+            </a:extLst>
+          </p:cNvPr>
+          <p:cNvSpPr>
+            <a:spLocks noGrp="1"/>
+          </p:cNvSpPr>
+          <p:nvPr>
+            <p:ph type="body" sz="quarter" idx="10"/>
+          </p:nvPr>
+        </p:nvSpPr>
+        <p:spPr/>
+        <p:txBody>
+          <a:bodyPr/>
+          <a:lstStyle/>
+          <a:p>
+            <a:endParaRPr lang="de-AT"/>
+          </a:p>
+        </p:txBody>
+      </p:sp>
+      <p:pic>
+        <p:nvPicPr>
+          <p:cNvPr id="5" name="Grafik 4">
+            <a:extLst>
+              <a:ext uri="{FF2B5EF4-FFF2-40B4-BE49-F238E27FC236}">
+                <a16:creationId xmlns:a16="http://schemas.microsoft.com/office/drawing/2014/main" id="{A84CE14C-7292-700F-6BB8-C79102E97710}"/>
+              </a:ext>
+            </a:extLst>
+          </p:cNvPr>
+          <p:cNvPicPr>
+            <a:picLocks noChangeAspect="1"/>
+          </p:cNvPicPr>
+          <p:nvPr/>
+        </p:nvPicPr>
+        <p:blipFill>
+          <a:blip r:embed="rId2"/>
+          <a:stretch>
+            <a:fillRect/>
+          </a:stretch>
+        </p:blipFill>
+        <p:spPr>
+          <a:xfrm>
+            <a:off x="467544" y="914282"/>
+            <a:ext cx="8229600" cy="5899094"/>
+          </a:xfrm>
+          <a:prstGeom prst="rect">
+            <a:avLst/>
+          </a:prstGeom>
+        </p:spPr>
+      </p:pic>
+    </p:spTree>
+    <p:extLst>
+      <p:ext uri="{BB962C8B-B14F-4D97-AF65-F5344CB8AC3E}">
+        <p14:creationId xmlns:p14="http://schemas.microsoft.com/office/powerpoint/2010/main" val="1621838096"/>
+      </p:ext>
+    </p:extLst>
+  </p:cSld>
+  <p:clrMapOvr>
+    <a:masterClrMapping/>
+  </p:clrMapOvr>
+</p:sld>
+</file>
+
+<file path=ppt/slides/slide11.xml><?xml version="1.0" encoding="utf-8"?>
+<p:sld xmlns:a="http://schemas.openxmlformats.org/drawingml/2006/main" xmlns:r="http://schemas.openxmlformats.org/officeDocument/2006/relationships" xmlns:p="http://schemas.openxmlformats.org/presentationml/2006/main">
+  <p:cSld>
+    <p:spTree>
+      <p:nvGrpSpPr>
+        <p:cNvPr id="1" name=""/>
+        <p:cNvGrpSpPr/>
+        <p:nvPr/>
+      </p:nvGrpSpPr>
+      <p:grpSpPr>
+        <a:xfrm>
+          <a:off x="0" y="0"/>
+          <a:ext cx="0" cy="0"/>
+          <a:chOff x="0" y="0"/>
+          <a:chExt cx="0" cy="0"/>
+        </a:xfrm>
+      </p:grpSpPr>
+      <p:sp>
+        <p:nvSpPr>
+          <p:cNvPr id="2" name="Titel 1">
+            <a:extLst>
+              <a:ext uri="{FF2B5EF4-FFF2-40B4-BE49-F238E27FC236}">
+                <a16:creationId xmlns:a16="http://schemas.microsoft.com/office/drawing/2014/main" id="{81F72350-18C3-DBCD-F739-EF757B000867}"/>
+              </a:ext>
+            </a:extLst>
+          </p:cNvPr>
+          <p:cNvSpPr>
+            <a:spLocks noGrp="1"/>
+          </p:cNvSpPr>
+          <p:nvPr>
+            <p:ph type="title"/>
+          </p:nvPr>
+        </p:nvSpPr>
+        <p:spPr/>
+        <p:txBody>
+          <a:bodyPr/>
+          <a:lstStyle/>
+          <a:p>
+            <a:r>
+              <a:rPr lang="de-AT" dirty="0"/>
+              <a:t>LED-Modul</a:t>
+            </a:r>
+          </a:p>
+        </p:txBody>
+      </p:sp>
+      <p:sp>
+        <p:nvSpPr>
+          <p:cNvPr id="3" name="Textplatzhalter 2">
+            <a:extLst>
+              <a:ext uri="{FF2B5EF4-FFF2-40B4-BE49-F238E27FC236}">
+                <a16:creationId xmlns:a16="http://schemas.microsoft.com/office/drawing/2014/main" id="{A502C1C9-325F-EE9E-A499-B0F0B44529E6}"/>
+              </a:ext>
+            </a:extLst>
+          </p:cNvPr>
+          <p:cNvSpPr>
+            <a:spLocks noGrp="1"/>
+          </p:cNvSpPr>
+          <p:nvPr>
+            <p:ph type="body" sz="quarter" idx="10"/>
+          </p:nvPr>
+        </p:nvSpPr>
+        <p:spPr/>
+        <p:txBody>
+          <a:bodyPr/>
+          <a:lstStyle/>
+          <a:p>
+            <a:r>
+              <a:rPr lang="de-AT" sz="2400" dirty="0"/>
+              <a:t>- </a:t>
+            </a:r>
+            <a:r>
+              <a:rPr lang="de-AT" sz="2400" dirty="0">
+                <a:sym typeface="Wingdings" panose="05000000000000000000" pitchFamily="2" charset="2"/>
+              </a:rPr>
+              <a:t> GND, G  GPIO17, R  GPIO18, B  GPIO19</a:t>
+            </a:r>
+            <a:endParaRPr lang="de-AT" sz="2400" dirty="0"/>
+          </a:p>
+        </p:txBody>
+      </p:sp>
+      <p:pic>
+        <p:nvPicPr>
+          <p:cNvPr id="5" name="Grafik 4">
+            <a:extLst>
+              <a:ext uri="{FF2B5EF4-FFF2-40B4-BE49-F238E27FC236}">
+                <a16:creationId xmlns:a16="http://schemas.microsoft.com/office/drawing/2014/main" id="{CE73B5DA-3032-7C1A-9385-80E5F17E31A7}"/>
+              </a:ext>
+            </a:extLst>
+          </p:cNvPr>
+          <p:cNvPicPr>
+            <a:picLocks noChangeAspect="1"/>
+          </p:cNvPicPr>
+          <p:nvPr/>
+        </p:nvPicPr>
+        <p:blipFill>
+          <a:blip r:embed="rId2"/>
+          <a:stretch>
+            <a:fillRect/>
+          </a:stretch>
+        </p:blipFill>
+        <p:spPr>
+          <a:xfrm>
+            <a:off x="1907704" y="2348880"/>
+            <a:ext cx="5114925" cy="4171950"/>
+          </a:xfrm>
+          <a:prstGeom prst="rect">
+            <a:avLst/>
+          </a:prstGeom>
+        </p:spPr>
+      </p:pic>
+    </p:spTree>
+    <p:extLst>
+      <p:ext uri="{BB962C8B-B14F-4D97-AF65-F5344CB8AC3E}">
+        <p14:creationId xmlns:p14="http://schemas.microsoft.com/office/powerpoint/2010/main" val="1974185882"/>
+      </p:ext>
+    </p:extLst>
+  </p:cSld>
+  <p:clrMapOvr>
+    <a:masterClrMapping/>
+  </p:clrMapOvr>
+</p:sld>
+</file>
+
+<file path=ppt/slides/slide12.xml><?xml version="1.0" encoding="utf-8"?>
+<p:sld xmlns:a="http://schemas.openxmlformats.org/drawingml/2006/main" xmlns:r="http://schemas.openxmlformats.org/officeDocument/2006/relationships" xmlns:p="http://schemas.openxmlformats.org/presentationml/2006/main">
+  <p:cSld>
+    <p:spTree>
+      <p:nvGrpSpPr>
+        <p:cNvPr id="1" name=""/>
+        <p:cNvGrpSpPr/>
+        <p:nvPr/>
+      </p:nvGrpSpPr>
+      <p:grpSpPr>
+        <a:xfrm>
+          <a:off x="0" y="0"/>
+          <a:ext cx="0" cy="0"/>
+          <a:chOff x="0" y="0"/>
+          <a:chExt cx="0" cy="0"/>
+        </a:xfrm>
+      </p:grpSpPr>
+      <p:sp>
+        <p:nvSpPr>
+          <p:cNvPr id="2" name="Titel 1">
+            <a:extLst>
+              <a:ext uri="{FF2B5EF4-FFF2-40B4-BE49-F238E27FC236}">
                 <a16:creationId xmlns:a16="http://schemas.microsoft.com/office/drawing/2014/main" id="{24216744-04C5-98C7-BD90-ACF3ED6E97C4}"/>
               </a:ext>
             </a:extLst>
@@ -4769,7 +5108,7 @@
 </p:sld>
 </file>
 
-<file path=ppt/slides/slide11.xml><?xml version="1.0" encoding="utf-8"?>
+<file path=ppt/slides/slide13.xml><?xml version="1.0" encoding="utf-8"?>
 <p:sld xmlns:a="http://schemas.openxmlformats.org/drawingml/2006/main" xmlns:r="http://schemas.openxmlformats.org/officeDocument/2006/relationships" xmlns:p="http://schemas.openxmlformats.org/presentationml/2006/main">
   <p:cSld>
     <p:spTree>
@@ -4913,7 +5252,7 @@
 </p:sld>
 </file>
 
-<file path=ppt/slides/slide12.xml><?xml version="1.0" encoding="utf-8"?>
+<file path=ppt/slides/slide14.xml><?xml version="1.0" encoding="utf-8"?>
 <p:sld xmlns:a="http://schemas.openxmlformats.org/drawingml/2006/main" xmlns:r="http://schemas.openxmlformats.org/officeDocument/2006/relationships" xmlns:p="http://schemas.openxmlformats.org/presentationml/2006/main">
   <p:cSld>
     <p:spTree>
@@ -5026,7 +5365,7 @@
 </p:sld>
 </file>
 
-<file path=ppt/slides/slide13.xml><?xml version="1.0" encoding="utf-8"?>
+<file path=ppt/slides/slide15.xml><?xml version="1.0" encoding="utf-8"?>
 <p:sld xmlns:a="http://schemas.openxmlformats.org/drawingml/2006/main" xmlns:r="http://schemas.openxmlformats.org/officeDocument/2006/relationships" xmlns:p="http://schemas.openxmlformats.org/presentationml/2006/main">
   <p:cSld>
     <p:spTree>
@@ -5139,7 +5478,7 @@
 </p:sld>
 </file>
 
-<file path=ppt/slides/slide14.xml><?xml version="1.0" encoding="utf-8"?>
+<file path=ppt/slides/slide16.xml><?xml version="1.0" encoding="utf-8"?>
 <p:sld xmlns:a="http://schemas.openxmlformats.org/drawingml/2006/main" xmlns:r="http://schemas.openxmlformats.org/officeDocument/2006/relationships" xmlns:p="http://schemas.openxmlformats.org/presentationml/2006/main">
   <p:cSld>
     <p:spTree>
@@ -5258,7 +5597,7 @@
 </p:sld>
 </file>
 
-<file path=ppt/slides/slide15.xml><?xml version="1.0" encoding="utf-8"?>
+<file path=ppt/slides/slide17.xml><?xml version="1.0" encoding="utf-8"?>
 <p:sld xmlns:a="http://schemas.openxmlformats.org/drawingml/2006/main" xmlns:r="http://schemas.openxmlformats.org/officeDocument/2006/relationships" xmlns:p="http://schemas.openxmlformats.org/presentationml/2006/main">
   <p:cSld>
     <p:spTree>
@@ -5372,7 +5711,7 @@
 </p:sld>
 </file>
 
-<file path=ppt/slides/slide16.xml><?xml version="1.0" encoding="utf-8"?>
+<file path=ppt/slides/slide18.xml><?xml version="1.0" encoding="utf-8"?>
 <p:sld xmlns:a="http://schemas.openxmlformats.org/drawingml/2006/main" xmlns:r="http://schemas.openxmlformats.org/officeDocument/2006/relationships" xmlns:p="http://schemas.openxmlformats.org/presentationml/2006/main">
   <p:cSld>
     <p:spTree>
@@ -5497,7 +5836,7 @@
 </p:sld>
 </file>
 
-<file path=ppt/slides/slide17.xml><?xml version="1.0" encoding="utf-8"?>
+<file path=ppt/slides/slide19.xml><?xml version="1.0" encoding="utf-8"?>
 <p:sld xmlns:a="http://schemas.openxmlformats.org/drawingml/2006/main" xmlns:r="http://schemas.openxmlformats.org/officeDocument/2006/relationships" xmlns:p="http://schemas.openxmlformats.org/presentationml/2006/main">
   <p:cSld>
     <p:spTree>
@@ -5610,7 +5949,168 @@
 </p:sld>
 </file>
 
-<file path=ppt/slides/slide18.xml><?xml version="1.0" encoding="utf-8"?>
+<file path=ppt/slides/slide2.xml><?xml version="1.0" encoding="utf-8"?>
+<p:sld xmlns:a="http://schemas.openxmlformats.org/drawingml/2006/main" xmlns:r="http://schemas.openxmlformats.org/officeDocument/2006/relationships" xmlns:p="http://schemas.openxmlformats.org/presentationml/2006/main">
+  <p:cSld>
+    <p:spTree>
+      <p:nvGrpSpPr>
+        <p:cNvPr id="1" name=""/>
+        <p:cNvGrpSpPr/>
+        <p:nvPr/>
+      </p:nvGrpSpPr>
+      <p:grpSpPr>
+        <a:xfrm>
+          <a:off x="0" y="0"/>
+          <a:ext cx="0" cy="0"/>
+          <a:chOff x="0" y="0"/>
+          <a:chExt cx="0" cy="0"/>
+        </a:xfrm>
+      </p:grpSpPr>
+      <p:sp>
+        <p:nvSpPr>
+          <p:cNvPr id="3" name="Textplatzhalter 2">
+            <a:extLst>
+              <a:ext uri="{FF2B5EF4-FFF2-40B4-BE49-F238E27FC236}">
+                <a16:creationId xmlns:a16="http://schemas.microsoft.com/office/drawing/2014/main" id="{C5BF6FCC-F2C0-7075-6F50-9B8410A2B50B}"/>
+              </a:ext>
+            </a:extLst>
+          </p:cNvPr>
+          <p:cNvSpPr>
+            <a:spLocks noGrp="1"/>
+          </p:cNvSpPr>
+          <p:nvPr>
+            <p:ph type="body" sz="quarter" idx="10"/>
+          </p:nvPr>
+        </p:nvSpPr>
+        <p:spPr>
+          <a:xfrm>
+            <a:off x="179512" y="1052736"/>
+            <a:ext cx="8207375" cy="4608165"/>
+          </a:xfrm>
+        </p:spPr>
+        <p:txBody>
+          <a:bodyPr/>
+          <a:lstStyle/>
+          <a:p>
+            <a:r>
+              <a:rPr lang="de-AT" dirty="0"/>
+              <a:t>Unterschiedliche </a:t>
+            </a:r>
+            <a:r>
+              <a:rPr lang="de-AT" dirty="0" err="1"/>
+              <a:t>Pinouts</a:t>
+            </a:r>
+            <a:endParaRPr lang="de-AT" dirty="0"/>
+          </a:p>
+        </p:txBody>
+      </p:sp>
+      <p:sp>
+        <p:nvSpPr>
+          <p:cNvPr id="4" name="AutoShape 2">
+            <a:extLst>
+              <a:ext uri="{FF2B5EF4-FFF2-40B4-BE49-F238E27FC236}">
+                <a16:creationId xmlns:a16="http://schemas.microsoft.com/office/drawing/2014/main" id="{DF162BB0-844F-7A0F-9C73-A3C5F21054B0}"/>
+              </a:ext>
+            </a:extLst>
+          </p:cNvPr>
+          <p:cNvSpPr>
+            <a:spLocks noGrp="1" noChangeAspect="1" noChangeArrowheads="1"/>
+          </p:cNvSpPr>
+          <p:nvPr>
+            <p:ph type="title"/>
+          </p:nvPr>
+        </p:nvSpPr>
+        <p:spPr bwMode="auto">
+          <a:prstGeom prst="rect">
+            <a:avLst/>
+          </a:prstGeom>
+          <a:noFill/>
+          <a:extLst>
+            <a:ext uri="{909E8E84-426E-40DD-AFC4-6F175D3DCCD1}">
+              <a14:hiddenFill xmlns:a14="http://schemas.microsoft.com/office/drawing/2010/main">
+                <a:solidFill>
+                  <a:srgbClr val="FFFFFF"/>
+                </a:solidFill>
+              </a14:hiddenFill>
+            </a:ext>
+          </a:extLst>
+        </p:spPr>
+        <p:txBody>
+          <a:bodyPr vert="horz" wrap="square" lIns="91440" tIns="45720" rIns="91440" bIns="45720" numCol="1" anchor="t" anchorCtr="0" compatLnSpc="1">
+            <a:prstTxWarp prst="textNoShape">
+              <a:avLst/>
+            </a:prstTxWarp>
+          </a:bodyPr>
+          <a:lstStyle/>
+          <a:p>
+            <a:r>
+              <a:rPr lang="de-AT" dirty="0"/>
+              <a:t>ESP32</a:t>
+            </a:r>
+          </a:p>
+        </p:txBody>
+      </p:sp>
+      <p:pic>
+        <p:nvPicPr>
+          <p:cNvPr id="1032" name="Picture 8" descr="ESP32 Pinout: How use GPIO pins ?">
+            <a:extLst>
+              <a:ext uri="{FF2B5EF4-FFF2-40B4-BE49-F238E27FC236}">
+                <a16:creationId xmlns:a16="http://schemas.microsoft.com/office/drawing/2014/main" id="{8B2D9080-E061-99DA-C964-FD1AEA960320}"/>
+              </a:ext>
+            </a:extLst>
+          </p:cNvPr>
+          <p:cNvPicPr>
+            <a:picLocks noChangeAspect="1" noChangeArrowheads="1"/>
+          </p:cNvPicPr>
+          <p:nvPr/>
+        </p:nvPicPr>
+        <p:blipFill>
+          <a:blip r:embed="rId2">
+            <a:extLst>
+              <a:ext uri="{28A0092B-C50C-407E-A947-70E740481C1C}">
+                <a14:useLocalDpi xmlns:a14="http://schemas.microsoft.com/office/drawing/2010/main" val="0"/>
+              </a:ext>
+            </a:extLst>
+          </a:blip>
+          <a:srcRect/>
+          <a:stretch>
+            <a:fillRect/>
+          </a:stretch>
+        </p:blipFill>
+        <p:spPr bwMode="auto">
+          <a:xfrm>
+            <a:off x="0" y="2132856"/>
+            <a:ext cx="9144000" cy="4459287"/>
+          </a:xfrm>
+          <a:prstGeom prst="rect">
+            <a:avLst/>
+          </a:prstGeom>
+          <a:noFill/>
+          <a:extLst>
+            <a:ext uri="{909E8E84-426E-40DD-AFC4-6F175D3DCCD1}">
+              <a14:hiddenFill xmlns:a14="http://schemas.microsoft.com/office/drawing/2010/main">
+                <a:solidFill>
+                  <a:srgbClr val="FFFFFF"/>
+                </a:solidFill>
+              </a14:hiddenFill>
+            </a:ext>
+          </a:extLst>
+        </p:spPr>
+      </p:pic>
+    </p:spTree>
+    <p:extLst>
+      <p:ext uri="{BB962C8B-B14F-4D97-AF65-F5344CB8AC3E}">
+        <p14:creationId xmlns:p14="http://schemas.microsoft.com/office/powerpoint/2010/main" val="412247038"/>
+      </p:ext>
+    </p:extLst>
+  </p:cSld>
+  <p:clrMapOvr>
+    <a:masterClrMapping/>
+  </p:clrMapOvr>
+</p:sld>
+</file>
+
+<file path=ppt/slides/slide20.xml><?xml version="1.0" encoding="utf-8"?>
 <p:sld xmlns:a="http://schemas.openxmlformats.org/drawingml/2006/main" xmlns:r="http://schemas.openxmlformats.org/officeDocument/2006/relationships" xmlns:p="http://schemas.openxmlformats.org/presentationml/2006/main">
   <p:cSld>
     <p:spTree>
@@ -5723,7 +6223,7 @@
 </p:sld>
 </file>
 
-<file path=ppt/slides/slide19.xml><?xml version="1.0" encoding="utf-8"?>
+<file path=ppt/slides/slide21.xml><?xml version="1.0" encoding="utf-8"?>
 <p:sld xmlns:a="http://schemas.openxmlformats.org/drawingml/2006/main" xmlns:r="http://schemas.openxmlformats.org/officeDocument/2006/relationships" xmlns:p="http://schemas.openxmlformats.org/presentationml/2006/main">
   <p:cSld>
     <p:spTree>
@@ -5889,152 +6389,7 @@
 </p:sld>
 </file>
 
-<file path=ppt/slides/slide2.xml><?xml version="1.0" encoding="utf-8"?>
-<p:sld xmlns:a="http://schemas.openxmlformats.org/drawingml/2006/main" xmlns:r="http://schemas.openxmlformats.org/officeDocument/2006/relationships" xmlns:p="http://schemas.openxmlformats.org/presentationml/2006/main">
-  <p:cSld>
-    <p:spTree>
-      <p:nvGrpSpPr>
-        <p:cNvPr id="1" name=""/>
-        <p:cNvGrpSpPr/>
-        <p:nvPr/>
-      </p:nvGrpSpPr>
-      <p:grpSpPr>
-        <a:xfrm>
-          <a:off x="0" y="0"/>
-          <a:ext cx="0" cy="0"/>
-          <a:chOff x="0" y="0"/>
-          <a:chExt cx="0" cy="0"/>
-        </a:xfrm>
-      </p:grpSpPr>
-      <p:sp>
-        <p:nvSpPr>
-          <p:cNvPr id="2" name="Titel 1">
-            <a:extLst>
-              <a:ext uri="{FF2B5EF4-FFF2-40B4-BE49-F238E27FC236}">
-                <a16:creationId xmlns:a16="http://schemas.microsoft.com/office/drawing/2014/main" id="{696708ED-D970-F57E-9D85-6D7245DAB3DA}"/>
-              </a:ext>
-            </a:extLst>
-          </p:cNvPr>
-          <p:cNvSpPr>
-            <a:spLocks noGrp="1"/>
-          </p:cNvSpPr>
-          <p:nvPr>
-            <p:ph type="title"/>
-          </p:nvPr>
-        </p:nvSpPr>
-        <p:spPr/>
-        <p:txBody>
-          <a:bodyPr>
-            <a:normAutofit/>
-          </a:bodyPr>
-          <a:lstStyle/>
-          <a:p>
-            <a:r>
-              <a:rPr lang="de-AT" sz="2800" dirty="0"/>
-              <a:t>Vorbedingung: USB-UART Treiber ist installiert</a:t>
-            </a:r>
-          </a:p>
-        </p:txBody>
-      </p:sp>
-      <p:sp>
-        <p:nvSpPr>
-          <p:cNvPr id="3" name="Textplatzhalter 2">
-            <a:extLst>
-              <a:ext uri="{FF2B5EF4-FFF2-40B4-BE49-F238E27FC236}">
-                <a16:creationId xmlns:a16="http://schemas.microsoft.com/office/drawing/2014/main" id="{CE56950C-DCC4-BF05-90AF-DF100BF24029}"/>
-              </a:ext>
-            </a:extLst>
-          </p:cNvPr>
-          <p:cNvSpPr>
-            <a:spLocks noGrp="1"/>
-          </p:cNvSpPr>
-          <p:nvPr>
-            <p:ph type="body" sz="quarter" idx="10"/>
-          </p:nvPr>
-        </p:nvSpPr>
-        <p:spPr/>
-        <p:txBody>
-          <a:bodyPr/>
-          <a:lstStyle/>
-          <a:p>
-            <a:r>
-              <a:rPr lang="de-AT" dirty="0"/>
-              <a:t>Windows: Gerätemanager</a:t>
-            </a:r>
-          </a:p>
-          <a:p>
-            <a:r>
-              <a:rPr lang="de-AT" dirty="0"/>
-              <a:t>COM-Port ermitteln</a:t>
-            </a:r>
-          </a:p>
-          <a:p>
-            <a:r>
-              <a:rPr lang="de-AT" dirty="0"/>
-              <a:t>Wenn kein </a:t>
-            </a:r>
-            <a:r>
-              <a:rPr lang="de-AT" dirty="0" err="1"/>
-              <a:t>Com</a:t>
-            </a:r>
-            <a:r>
-              <a:rPr lang="de-AT" dirty="0"/>
-              <a:t>-Port ersichtlich </a:t>
-            </a:r>
-            <a:r>
-              <a:rPr lang="de-AT" dirty="0">
-                <a:sym typeface="Wingdings" panose="05000000000000000000" pitchFamily="2" charset="2"/>
-              </a:rPr>
-              <a:t> Treiber installieren</a:t>
-            </a:r>
-            <a:endParaRPr lang="de-AT" dirty="0"/>
-          </a:p>
-        </p:txBody>
-      </p:sp>
-      <p:pic>
-        <p:nvPicPr>
-          <p:cNvPr id="5" name="Grafik 4">
-            <a:extLst>
-              <a:ext uri="{FF2B5EF4-FFF2-40B4-BE49-F238E27FC236}">
-                <a16:creationId xmlns:a16="http://schemas.microsoft.com/office/drawing/2014/main" id="{DEDF4CC5-FD6A-8E3B-8604-6BE4DE8C9B8D}"/>
-              </a:ext>
-            </a:extLst>
-          </p:cNvPr>
-          <p:cNvPicPr>
-            <a:picLocks noChangeAspect="1"/>
-          </p:cNvPicPr>
-          <p:nvPr/>
-        </p:nvPicPr>
-        <p:blipFill>
-          <a:blip r:embed="rId2"/>
-          <a:stretch>
-            <a:fillRect/>
-          </a:stretch>
-        </p:blipFill>
-        <p:spPr>
-          <a:xfrm>
-            <a:off x="1547664" y="3572842"/>
-            <a:ext cx="5760640" cy="2654673"/>
-          </a:xfrm>
-          <a:prstGeom prst="rect">
-            <a:avLst/>
-          </a:prstGeom>
-        </p:spPr>
-      </p:pic>
-    </p:spTree>
-    <p:extLst>
-      <p:ext uri="{BB962C8B-B14F-4D97-AF65-F5344CB8AC3E}">
-        <p14:creationId xmlns:p14="http://schemas.microsoft.com/office/powerpoint/2010/main" val="3356162398"/>
-      </p:ext>
-    </p:extLst>
-  </p:cSld>
-  <p:clrMapOvr>
-    <a:masterClrMapping/>
-  </p:clrMapOvr>
-</p:sld>
-</file>
-
-<file path=ppt/slides/slide20.xml><?xml version="1.0" encoding="utf-8"?>
+<file path=ppt/slides/slide22.xml><?xml version="1.0" encoding="utf-8"?>
 <p:sld xmlns:a="http://schemas.openxmlformats.org/drawingml/2006/main" xmlns:r="http://schemas.openxmlformats.org/officeDocument/2006/relationships" xmlns:p="http://schemas.openxmlformats.org/presentationml/2006/main">
   <p:cSld>
     <p:spTree>
@@ -6160,7 +6515,7 @@
 </p:sld>
 </file>
 
-<file path=ppt/slides/slide21.xml><?xml version="1.0" encoding="utf-8"?>
+<file path=ppt/slides/slide23.xml><?xml version="1.0" encoding="utf-8"?>
 <p:sld xmlns:a="http://schemas.openxmlformats.org/drawingml/2006/main" xmlns:r="http://schemas.openxmlformats.org/officeDocument/2006/relationships" xmlns:p="http://schemas.openxmlformats.org/presentationml/2006/main">
   <p:cSld>
     <p:spTree>
@@ -6277,7 +6632,7 @@
 </p:sld>
 </file>
 
-<file path=ppt/slides/slide22.xml><?xml version="1.0" encoding="utf-8"?>
+<file path=ppt/slides/slide24.xml><?xml version="1.0" encoding="utf-8"?>
 <p:sld xmlns:a="http://schemas.openxmlformats.org/drawingml/2006/main" xmlns:r="http://schemas.openxmlformats.org/officeDocument/2006/relationships" xmlns:p="http://schemas.openxmlformats.org/presentationml/2006/main">
   <p:cSld>
     <p:spTree>
@@ -6390,7 +6745,7 @@
 </p:sld>
 </file>
 
-<file path=ppt/slides/slide23.xml><?xml version="1.0" encoding="utf-8"?>
+<file path=ppt/slides/slide25.xml><?xml version="1.0" encoding="utf-8"?>
 <p:sld xmlns:a="http://schemas.openxmlformats.org/drawingml/2006/main" xmlns:r="http://schemas.openxmlformats.org/officeDocument/2006/relationships" xmlns:p="http://schemas.openxmlformats.org/presentationml/2006/main">
   <p:cSld>
     <p:spTree>
@@ -6503,7 +6858,7 @@
 </p:sld>
 </file>
 
-<file path=ppt/slides/slide24.xml><?xml version="1.0" encoding="utf-8"?>
+<file path=ppt/slides/slide26.xml><?xml version="1.0" encoding="utf-8"?>
 <p:sld xmlns:a="http://schemas.openxmlformats.org/drawingml/2006/main" xmlns:r="http://schemas.openxmlformats.org/officeDocument/2006/relationships" xmlns:p="http://schemas.openxmlformats.org/presentationml/2006/main">
   <p:cSld>
     <p:spTree>
@@ -6616,7 +6971,7 @@
 </p:sld>
 </file>
 
-<file path=ppt/slides/slide25.xml><?xml version="1.0" encoding="utf-8"?>
+<file path=ppt/slides/slide27.xml><?xml version="1.0" encoding="utf-8"?>
 <p:sld xmlns:a="http://schemas.openxmlformats.org/drawingml/2006/main" xmlns:r="http://schemas.openxmlformats.org/officeDocument/2006/relationships" xmlns:p="http://schemas.openxmlformats.org/presentationml/2006/main">
   <p:cSld>
     <p:spTree>
@@ -6737,7 +7092,7 @@
 </p:sld>
 </file>
 
-<file path=ppt/slides/slide26.xml><?xml version="1.0" encoding="utf-8"?>
+<file path=ppt/slides/slide28.xml><?xml version="1.0" encoding="utf-8"?>
 <p:sld xmlns:a="http://schemas.openxmlformats.org/drawingml/2006/main" xmlns:r="http://schemas.openxmlformats.org/officeDocument/2006/relationships" xmlns:p="http://schemas.openxmlformats.org/presentationml/2006/main">
   <p:cSld>
     <p:spTree>
@@ -6850,7 +7205,7 @@
 </p:sld>
 </file>
 
-<file path=ppt/slides/slide27.xml><?xml version="1.0" encoding="utf-8"?>
+<file path=ppt/slides/slide29.xml><?xml version="1.0" encoding="utf-8"?>
 <p:sld xmlns:a="http://schemas.openxmlformats.org/drawingml/2006/main" xmlns:r="http://schemas.openxmlformats.org/officeDocument/2006/relationships" xmlns:p="http://schemas.openxmlformats.org/presentationml/2006/main">
   <p:cSld>
     <p:spTree>
@@ -6963,7 +7318,138 @@
 </p:sld>
 </file>
 
-<file path=ppt/slides/slide28.xml><?xml version="1.0" encoding="utf-8"?>
+<file path=ppt/slides/slide3.xml><?xml version="1.0" encoding="utf-8"?>
+<p:sld xmlns:a="http://schemas.openxmlformats.org/drawingml/2006/main" xmlns:r="http://schemas.openxmlformats.org/officeDocument/2006/relationships" xmlns:p="http://schemas.openxmlformats.org/presentationml/2006/main">
+  <p:cSld>
+    <p:spTree>
+      <p:nvGrpSpPr>
+        <p:cNvPr id="1" name=""/>
+        <p:cNvGrpSpPr/>
+        <p:nvPr/>
+      </p:nvGrpSpPr>
+      <p:grpSpPr>
+        <a:xfrm>
+          <a:off x="0" y="0"/>
+          <a:ext cx="0" cy="0"/>
+          <a:chOff x="0" y="0"/>
+          <a:chExt cx="0" cy="0"/>
+        </a:xfrm>
+      </p:grpSpPr>
+      <p:sp>
+        <p:nvSpPr>
+          <p:cNvPr id="2" name="Titel 1">
+            <a:extLst>
+              <a:ext uri="{FF2B5EF4-FFF2-40B4-BE49-F238E27FC236}">
+                <a16:creationId xmlns:a16="http://schemas.microsoft.com/office/drawing/2014/main" id="{84921BF9-E160-75F0-2BE8-06AA37A9E0F9}"/>
+              </a:ext>
+            </a:extLst>
+          </p:cNvPr>
+          <p:cNvSpPr>
+            <a:spLocks noGrp="1"/>
+          </p:cNvSpPr>
+          <p:nvPr>
+            <p:ph type="title"/>
+          </p:nvPr>
+        </p:nvSpPr>
+        <p:spPr/>
+        <p:txBody>
+          <a:bodyPr/>
+          <a:lstStyle/>
+          <a:p>
+            <a:r>
+              <a:rPr lang="de-AT" dirty="0" err="1"/>
+              <a:t>ESPHome</a:t>
+            </a:r>
+            <a:r>
+              <a:rPr lang="de-AT" dirty="0"/>
+              <a:t> CLI</a:t>
+            </a:r>
+          </a:p>
+        </p:txBody>
+      </p:sp>
+      <p:sp>
+        <p:nvSpPr>
+          <p:cNvPr id="3" name="Textplatzhalter 2">
+            <a:extLst>
+              <a:ext uri="{FF2B5EF4-FFF2-40B4-BE49-F238E27FC236}">
+                <a16:creationId xmlns:a16="http://schemas.microsoft.com/office/drawing/2014/main" id="{70ACB41D-41D7-C6FE-0A40-D06D3B3D74D8}"/>
+              </a:ext>
+            </a:extLst>
+          </p:cNvPr>
+          <p:cNvSpPr>
+            <a:spLocks noGrp="1"/>
+          </p:cNvSpPr>
+          <p:nvPr>
+            <p:ph type="body" sz="quarter" idx="10"/>
+          </p:nvPr>
+        </p:nvSpPr>
+        <p:spPr/>
+        <p:txBody>
+          <a:bodyPr/>
+          <a:lstStyle/>
+          <a:p>
+            <a:r>
+              <a:rPr lang="de-AT" dirty="0"/>
+              <a:t>Wenn Installation über Web-Serial Probleme macht</a:t>
+            </a:r>
+          </a:p>
+          <a:p>
+            <a:r>
+              <a:rPr lang="de-AT" dirty="0"/>
+              <a:t>Im Vergleich zu der Weblösung komplexer</a:t>
+            </a:r>
+          </a:p>
+          <a:p>
+            <a:pPr lvl="1"/>
+            <a:r>
+              <a:rPr lang="de-AT" dirty="0"/>
+              <a:t>Praktisch aber wesentlich besser „beobachtbar“</a:t>
+            </a:r>
+          </a:p>
+          <a:p>
+            <a:r>
+              <a:rPr lang="de-AT" dirty="0"/>
+              <a:t>Installation des Programms am Rechner</a:t>
+            </a:r>
+          </a:p>
+          <a:p>
+            <a:r>
+              <a:rPr lang="de-AT" dirty="0" err="1"/>
+              <a:t>Yaml</a:t>
+            </a:r>
+            <a:r>
+              <a:rPr lang="de-AT" dirty="0"/>
+              <a:t>-Dateien in einem Verzeichnis</a:t>
+            </a:r>
+          </a:p>
+          <a:p>
+            <a:pPr lvl="1"/>
+            <a:r>
+              <a:rPr lang="de-AT" dirty="0"/>
+              <a:t>Secrets für SSID/Kennwort </a:t>
+            </a:r>
+            <a:r>
+              <a:rPr lang="de-AT" dirty="0" err="1"/>
+              <a:t>Mqtt-Permissions</a:t>
+            </a:r>
+            <a:endParaRPr lang="de-AT" dirty="0"/>
+          </a:p>
+        </p:txBody>
+      </p:sp>
+    </p:spTree>
+    <p:extLst>
+      <p:ext uri="{BB962C8B-B14F-4D97-AF65-F5344CB8AC3E}">
+        <p14:creationId xmlns:p14="http://schemas.microsoft.com/office/powerpoint/2010/main" val="964469982"/>
+      </p:ext>
+    </p:extLst>
+  </p:cSld>
+  <p:clrMapOvr>
+    <a:masterClrMapping/>
+  </p:clrMapOvr>
+</p:sld>
+</file>
+
+<file path=ppt/slides/slide30.xml><?xml version="1.0" encoding="utf-8"?>
 <p:sld xmlns:a="http://schemas.openxmlformats.org/drawingml/2006/main" xmlns:r="http://schemas.openxmlformats.org/officeDocument/2006/relationships" xmlns:p="http://schemas.openxmlformats.org/presentationml/2006/main">
   <p:cSld>
     <p:spTree>
@@ -7073,7 +7559,7 @@
 </p:sld>
 </file>
 
-<file path=ppt/slides/slide29.xml><?xml version="1.0" encoding="utf-8"?>
+<file path=ppt/slides/slide31.xml><?xml version="1.0" encoding="utf-8"?>
 <p:sld xmlns:a="http://schemas.openxmlformats.org/drawingml/2006/main" xmlns:r="http://schemas.openxmlformats.org/officeDocument/2006/relationships" xmlns:p="http://schemas.openxmlformats.org/presentationml/2006/main">
   <p:cSld>
     <p:spTree>
@@ -7186,129 +7672,7 @@
 </p:sld>
 </file>
 
-<file path=ppt/slides/slide3.xml><?xml version="1.0" encoding="utf-8"?>
-<p:sld xmlns:a="http://schemas.openxmlformats.org/drawingml/2006/main" xmlns:r="http://schemas.openxmlformats.org/officeDocument/2006/relationships" xmlns:p="http://schemas.openxmlformats.org/presentationml/2006/main">
-  <p:cSld>
-    <p:spTree>
-      <p:nvGrpSpPr>
-        <p:cNvPr id="1" name=""/>
-        <p:cNvGrpSpPr/>
-        <p:nvPr/>
-      </p:nvGrpSpPr>
-      <p:grpSpPr>
-        <a:xfrm>
-          <a:off x="0" y="0"/>
-          <a:ext cx="0" cy="0"/>
-          <a:chOff x="0" y="0"/>
-          <a:chExt cx="0" cy="0"/>
-        </a:xfrm>
-      </p:grpSpPr>
-      <p:sp>
-        <p:nvSpPr>
-          <p:cNvPr id="2" name="Titel 1">
-            <a:extLst>
-              <a:ext uri="{FF2B5EF4-FFF2-40B4-BE49-F238E27FC236}">
-                <a16:creationId xmlns:a16="http://schemas.microsoft.com/office/drawing/2014/main" id="{99029C8B-E585-3986-709E-8AD2331A6BCD}"/>
-              </a:ext>
-            </a:extLst>
-          </p:cNvPr>
-          <p:cNvSpPr>
-            <a:spLocks noGrp="1"/>
-          </p:cNvSpPr>
-          <p:nvPr>
-            <p:ph type="title"/>
-          </p:nvPr>
-        </p:nvSpPr>
-        <p:spPr/>
-        <p:txBody>
-          <a:bodyPr/>
-          <a:lstStyle/>
-          <a:p>
-            <a:r>
-              <a:rPr lang="de-AT" dirty="0"/>
-              <a:t>USB-UART – Treiber herunterladen</a:t>
-            </a:r>
-          </a:p>
-        </p:txBody>
-      </p:sp>
-      <p:sp>
-        <p:nvSpPr>
-          <p:cNvPr id="3" name="Textplatzhalter 2">
-            <a:extLst>
-              <a:ext uri="{FF2B5EF4-FFF2-40B4-BE49-F238E27FC236}">
-                <a16:creationId xmlns:a16="http://schemas.microsoft.com/office/drawing/2014/main" id="{4AF05C6C-87BA-11A3-CEE3-EED801569F04}"/>
-              </a:ext>
-            </a:extLst>
-          </p:cNvPr>
-          <p:cNvSpPr>
-            <a:spLocks noGrp="1"/>
-          </p:cNvSpPr>
-          <p:nvPr>
-            <p:ph type="body" sz="quarter" idx="10"/>
-          </p:nvPr>
-        </p:nvSpPr>
-        <p:spPr/>
-        <p:txBody>
-          <a:bodyPr/>
-          <a:lstStyle/>
-          <a:p>
-            <a:r>
-              <a:rPr lang="de-AT" dirty="0">
-                <a:hlinkClick r:id="rId2"/>
-              </a:rPr>
-              <a:t>https://www.silabs.com/developers/usb-to-uart-bridge-vcp-drivers?tab=downloads</a:t>
-            </a:r>
-            <a:r>
-              <a:rPr lang="de-AT" dirty="0"/>
-              <a:t> </a:t>
-            </a:r>
-          </a:p>
-        </p:txBody>
-      </p:sp>
-      <p:pic>
-        <p:nvPicPr>
-          <p:cNvPr id="5" name="Grafik 4">
-            <a:extLst>
-              <a:ext uri="{FF2B5EF4-FFF2-40B4-BE49-F238E27FC236}">
-                <a16:creationId xmlns:a16="http://schemas.microsoft.com/office/drawing/2014/main" id="{667C692B-87A7-11A4-BB38-081A126AD2F9}"/>
-              </a:ext>
-            </a:extLst>
-          </p:cNvPr>
-          <p:cNvPicPr>
-            <a:picLocks noChangeAspect="1"/>
-          </p:cNvPicPr>
-          <p:nvPr/>
-        </p:nvPicPr>
-        <p:blipFill>
-          <a:blip r:embed="rId3"/>
-          <a:stretch>
-            <a:fillRect/>
-          </a:stretch>
-        </p:blipFill>
-        <p:spPr>
-          <a:xfrm>
-            <a:off x="940892" y="2254031"/>
-            <a:ext cx="7740352" cy="4478556"/>
-          </a:xfrm>
-          <a:prstGeom prst="rect">
-            <a:avLst/>
-          </a:prstGeom>
-        </p:spPr>
-      </p:pic>
-    </p:spTree>
-    <p:extLst>
-      <p:ext uri="{BB962C8B-B14F-4D97-AF65-F5344CB8AC3E}">
-        <p14:creationId xmlns:p14="http://schemas.microsoft.com/office/powerpoint/2010/main" val="1942948245"/>
-      </p:ext>
-    </p:extLst>
-  </p:cSld>
-  <p:clrMapOvr>
-    <a:masterClrMapping/>
-  </p:clrMapOvr>
-</p:sld>
-</file>
-
-<file path=ppt/slides/slide30.xml><?xml version="1.0" encoding="utf-8"?>
+<file path=ppt/slides/slide32.xml><?xml version="1.0" encoding="utf-8"?>
 <p:sld xmlns:a="http://schemas.openxmlformats.org/drawingml/2006/main" xmlns:r="http://schemas.openxmlformats.org/officeDocument/2006/relationships" xmlns:p="http://schemas.openxmlformats.org/presentationml/2006/main">
   <p:cSld>
     <p:spTree>
@@ -7429,7 +7793,7 @@
 </p:sld>
 </file>
 
-<file path=ppt/slides/slide31.xml><?xml version="1.0" encoding="utf-8"?>
+<file path=ppt/slides/slide33.xml><?xml version="1.0" encoding="utf-8"?>
 <p:sld xmlns:a="http://schemas.openxmlformats.org/drawingml/2006/main" xmlns:r="http://schemas.openxmlformats.org/officeDocument/2006/relationships" xmlns:p="http://schemas.openxmlformats.org/presentationml/2006/main">
   <p:cSld>
     <p:spTree>
@@ -7542,7 +7906,7 @@
 </p:sld>
 </file>
 
-<file path=ppt/slides/slide32.xml><?xml version="1.0" encoding="utf-8"?>
+<file path=ppt/slides/slide34.xml><?xml version="1.0" encoding="utf-8"?>
 <p:sld xmlns:a="http://schemas.openxmlformats.org/drawingml/2006/main" xmlns:r="http://schemas.openxmlformats.org/officeDocument/2006/relationships" xmlns:p="http://schemas.openxmlformats.org/presentationml/2006/main">
   <p:cSld>
     <p:spTree>
@@ -7655,7 +8019,7 @@
 </p:sld>
 </file>
 
-<file path=ppt/slides/slide33.xml><?xml version="1.0" encoding="utf-8"?>
+<file path=ppt/slides/slide35.xml><?xml version="1.0" encoding="utf-8"?>
 <p:sld xmlns:a="http://schemas.openxmlformats.org/drawingml/2006/main" xmlns:r="http://schemas.openxmlformats.org/officeDocument/2006/relationships" xmlns:p="http://schemas.openxmlformats.org/presentationml/2006/main">
   <p:cSld>
     <p:spTree>
@@ -7783,7 +8147,7 @@
 </p:sld>
 </file>
 
-<file path=ppt/slides/slide34.xml><?xml version="1.0" encoding="utf-8"?>
+<file path=ppt/slides/slide36.xml><?xml version="1.0" encoding="utf-8"?>
 <p:sld xmlns:a="http://schemas.openxmlformats.org/drawingml/2006/main" xmlns:r="http://schemas.openxmlformats.org/officeDocument/2006/relationships" xmlns:p="http://schemas.openxmlformats.org/presentationml/2006/main">
   <p:cSld>
     <p:spTree>
@@ -7906,7 +8270,7 @@
 </p:sld>
 </file>
 
-<file path=ppt/slides/slide35.xml><?xml version="1.0" encoding="utf-8"?>
+<file path=ppt/slides/slide37.xml><?xml version="1.0" encoding="utf-8"?>
 <p:sld xmlns:a="http://schemas.openxmlformats.org/drawingml/2006/main" xmlns:r="http://schemas.openxmlformats.org/officeDocument/2006/relationships" xmlns:p="http://schemas.openxmlformats.org/presentationml/2006/main">
   <p:cSld>
     <p:spTree>
@@ -8032,7 +8396,7 @@
 </p:sld>
 </file>
 
-<file path=ppt/slides/slide36.xml><?xml version="1.0" encoding="utf-8"?>
+<file path=ppt/slides/slide38.xml><?xml version="1.0" encoding="utf-8"?>
 <p:sld xmlns:a="http://schemas.openxmlformats.org/drawingml/2006/main" xmlns:r="http://schemas.openxmlformats.org/officeDocument/2006/relationships" xmlns:p="http://schemas.openxmlformats.org/presentationml/2006/main">
   <p:cSld>
     <p:spTree>
@@ -8353,7 +8717,7 @@
 </p:sld>
 </file>
 
-<file path=ppt/slides/slide37.xml><?xml version="1.0" encoding="utf-8"?>
+<file path=ppt/slides/slide39.xml><?xml version="1.0" encoding="utf-8"?>
 <p:sld xmlns:a="http://schemas.openxmlformats.org/drawingml/2006/main" xmlns:r="http://schemas.openxmlformats.org/officeDocument/2006/relationships" xmlns:p="http://schemas.openxmlformats.org/presentationml/2006/main">
   <p:cSld>
     <p:spTree>
@@ -8466,7 +8830,152 @@
 </p:sld>
 </file>
 
-<file path=ppt/slides/slide38.xml><?xml version="1.0" encoding="utf-8"?>
+<file path=ppt/slides/slide4.xml><?xml version="1.0" encoding="utf-8"?>
+<p:sld xmlns:a="http://schemas.openxmlformats.org/drawingml/2006/main" xmlns:r="http://schemas.openxmlformats.org/officeDocument/2006/relationships" xmlns:p="http://schemas.openxmlformats.org/presentationml/2006/main">
+  <p:cSld>
+    <p:spTree>
+      <p:nvGrpSpPr>
+        <p:cNvPr id="1" name=""/>
+        <p:cNvGrpSpPr/>
+        <p:nvPr/>
+      </p:nvGrpSpPr>
+      <p:grpSpPr>
+        <a:xfrm>
+          <a:off x="0" y="0"/>
+          <a:ext cx="0" cy="0"/>
+          <a:chOff x="0" y="0"/>
+          <a:chExt cx="0" cy="0"/>
+        </a:xfrm>
+      </p:grpSpPr>
+      <p:sp>
+        <p:nvSpPr>
+          <p:cNvPr id="2" name="Titel 1">
+            <a:extLst>
+              <a:ext uri="{FF2B5EF4-FFF2-40B4-BE49-F238E27FC236}">
+                <a16:creationId xmlns:a16="http://schemas.microsoft.com/office/drawing/2014/main" id="{696708ED-D970-F57E-9D85-6D7245DAB3DA}"/>
+              </a:ext>
+            </a:extLst>
+          </p:cNvPr>
+          <p:cNvSpPr>
+            <a:spLocks noGrp="1"/>
+          </p:cNvSpPr>
+          <p:nvPr>
+            <p:ph type="title"/>
+          </p:nvPr>
+        </p:nvSpPr>
+        <p:spPr/>
+        <p:txBody>
+          <a:bodyPr>
+            <a:normAutofit/>
+          </a:bodyPr>
+          <a:lstStyle/>
+          <a:p>
+            <a:r>
+              <a:rPr lang="de-AT" sz="2800" dirty="0"/>
+              <a:t>Vorbedingung: USB-UART Treiber ist installiert</a:t>
+            </a:r>
+          </a:p>
+        </p:txBody>
+      </p:sp>
+      <p:sp>
+        <p:nvSpPr>
+          <p:cNvPr id="3" name="Textplatzhalter 2">
+            <a:extLst>
+              <a:ext uri="{FF2B5EF4-FFF2-40B4-BE49-F238E27FC236}">
+                <a16:creationId xmlns:a16="http://schemas.microsoft.com/office/drawing/2014/main" id="{CE56950C-DCC4-BF05-90AF-DF100BF24029}"/>
+              </a:ext>
+            </a:extLst>
+          </p:cNvPr>
+          <p:cNvSpPr>
+            <a:spLocks noGrp="1"/>
+          </p:cNvSpPr>
+          <p:nvPr>
+            <p:ph type="body" sz="quarter" idx="10"/>
+          </p:nvPr>
+        </p:nvSpPr>
+        <p:spPr/>
+        <p:txBody>
+          <a:bodyPr/>
+          <a:lstStyle/>
+          <a:p>
+            <a:r>
+              <a:rPr lang="de-AT" dirty="0"/>
+              <a:t>Windows: Gerätemanager</a:t>
+            </a:r>
+          </a:p>
+          <a:p>
+            <a:r>
+              <a:rPr lang="de-AT" dirty="0"/>
+              <a:t>COM-Port ermitteln</a:t>
+            </a:r>
+          </a:p>
+          <a:p>
+            <a:r>
+              <a:rPr lang="de-AT" dirty="0"/>
+              <a:t>Wenn kein </a:t>
+            </a:r>
+            <a:r>
+              <a:rPr lang="de-AT" dirty="0" err="1"/>
+              <a:t>Com</a:t>
+            </a:r>
+            <a:r>
+              <a:rPr lang="de-AT" dirty="0"/>
+              <a:t>-Port ersichtlich </a:t>
+            </a:r>
+            <a:r>
+              <a:rPr lang="de-AT" dirty="0">
+                <a:sym typeface="Wingdings" panose="05000000000000000000" pitchFamily="2" charset="2"/>
+              </a:rPr>
+              <a:t> Treiber installieren</a:t>
+            </a:r>
+            <a:endParaRPr lang="de-AT" dirty="0"/>
+          </a:p>
+        </p:txBody>
+      </p:sp>
+      <p:pic>
+        <p:nvPicPr>
+          <p:cNvPr id="5" name="Grafik 4">
+            <a:extLst>
+              <a:ext uri="{FF2B5EF4-FFF2-40B4-BE49-F238E27FC236}">
+                <a16:creationId xmlns:a16="http://schemas.microsoft.com/office/drawing/2014/main" id="{DEDF4CC5-FD6A-8E3B-8604-6BE4DE8C9B8D}"/>
+              </a:ext>
+            </a:extLst>
+          </p:cNvPr>
+          <p:cNvPicPr>
+            <a:picLocks noChangeAspect="1"/>
+          </p:cNvPicPr>
+          <p:nvPr/>
+        </p:nvPicPr>
+        <p:blipFill>
+          <a:blip r:embed="rId2"/>
+          <a:stretch>
+            <a:fillRect/>
+          </a:stretch>
+        </p:blipFill>
+        <p:spPr>
+          <a:xfrm>
+            <a:off x="1547664" y="3572842"/>
+            <a:ext cx="5760640" cy="2654673"/>
+          </a:xfrm>
+          <a:prstGeom prst="rect">
+            <a:avLst/>
+          </a:prstGeom>
+        </p:spPr>
+      </p:pic>
+    </p:spTree>
+    <p:extLst>
+      <p:ext uri="{BB962C8B-B14F-4D97-AF65-F5344CB8AC3E}">
+        <p14:creationId xmlns:p14="http://schemas.microsoft.com/office/powerpoint/2010/main" val="3356162398"/>
+      </p:ext>
+    </p:extLst>
+  </p:cSld>
+  <p:clrMapOvr>
+    <a:masterClrMapping/>
+  </p:clrMapOvr>
+</p:sld>
+</file>
+
+<file path=ppt/slides/slide40.xml><?xml version="1.0" encoding="utf-8"?>
 <p:sld xmlns:a="http://schemas.openxmlformats.org/drawingml/2006/main" xmlns:r="http://schemas.openxmlformats.org/officeDocument/2006/relationships" xmlns:p="http://schemas.openxmlformats.org/presentationml/2006/main">
   <p:cSld>
     <p:spTree>
@@ -8595,7 +9104,7 @@
 </p:sld>
 </file>
 
-<file path=ppt/slides/slide39.xml><?xml version="1.0" encoding="utf-8"?>
+<file path=ppt/slides/slide41.xml><?xml version="1.0" encoding="utf-8"?>
 <p:sld xmlns:a="http://schemas.openxmlformats.org/drawingml/2006/main" xmlns:r="http://schemas.openxmlformats.org/officeDocument/2006/relationships" xmlns:p="http://schemas.openxmlformats.org/presentationml/2006/main">
   <p:cSld>
     <p:spTree>
@@ -8922,156 +9431,7 @@
 </p:sld>
 </file>
 
-<file path=ppt/slides/slide4.xml><?xml version="1.0" encoding="utf-8"?>
-<p:sld xmlns:a="http://schemas.openxmlformats.org/drawingml/2006/main" xmlns:r="http://schemas.openxmlformats.org/officeDocument/2006/relationships" xmlns:p="http://schemas.openxmlformats.org/presentationml/2006/main">
-  <p:cSld>
-    <p:spTree>
-      <p:nvGrpSpPr>
-        <p:cNvPr id="1" name=""/>
-        <p:cNvGrpSpPr/>
-        <p:nvPr/>
-      </p:nvGrpSpPr>
-      <p:grpSpPr>
-        <a:xfrm>
-          <a:off x="0" y="0"/>
-          <a:ext cx="0" cy="0"/>
-          <a:chOff x="0" y="0"/>
-          <a:chExt cx="0" cy="0"/>
-        </a:xfrm>
-      </p:grpSpPr>
-      <p:sp>
-        <p:nvSpPr>
-          <p:cNvPr id="2" name="Titel 1">
-            <a:extLst>
-              <a:ext uri="{FF2B5EF4-FFF2-40B4-BE49-F238E27FC236}">
-                <a16:creationId xmlns:a16="http://schemas.microsoft.com/office/drawing/2014/main" id="{367BA0A3-C631-6702-3AFB-5B0724A8D7A8}"/>
-              </a:ext>
-            </a:extLst>
-          </p:cNvPr>
-          <p:cNvSpPr>
-            <a:spLocks noGrp="1"/>
-          </p:cNvSpPr>
-          <p:nvPr>
-            <p:ph type="title"/>
-          </p:nvPr>
-        </p:nvSpPr>
-        <p:spPr/>
-        <p:txBody>
-          <a:bodyPr/>
-          <a:lstStyle/>
-          <a:p>
-            <a:r>
-              <a:rPr lang="de-AT" dirty="0"/>
-              <a:t>Treiber installieren/aktualisieren</a:t>
-            </a:r>
-          </a:p>
-        </p:txBody>
-      </p:sp>
-      <p:sp>
-        <p:nvSpPr>
-          <p:cNvPr id="3" name="Textplatzhalter 2">
-            <a:extLst>
-              <a:ext uri="{FF2B5EF4-FFF2-40B4-BE49-F238E27FC236}">
-                <a16:creationId xmlns:a16="http://schemas.microsoft.com/office/drawing/2014/main" id="{204C9E44-F632-A3BA-CFD9-ED10E838FA2A}"/>
-              </a:ext>
-            </a:extLst>
-          </p:cNvPr>
-          <p:cNvSpPr>
-            <a:spLocks noGrp="1"/>
-          </p:cNvSpPr>
-          <p:nvPr>
-            <p:ph type="body" sz="quarter" idx="10"/>
-          </p:nvPr>
-        </p:nvSpPr>
-        <p:spPr/>
-        <p:txBody>
-          <a:bodyPr/>
-          <a:lstStyle/>
-          <a:p>
-            <a:r>
-              <a:rPr lang="de-AT" dirty="0"/>
-              <a:t>Entpacken</a:t>
-            </a:r>
-          </a:p>
-          <a:p>
-            <a:endParaRPr lang="de-AT" dirty="0"/>
-          </a:p>
-        </p:txBody>
-      </p:sp>
-      <p:pic>
-        <p:nvPicPr>
-          <p:cNvPr id="5" name="Grafik 4">
-            <a:extLst>
-              <a:ext uri="{FF2B5EF4-FFF2-40B4-BE49-F238E27FC236}">
-                <a16:creationId xmlns:a16="http://schemas.microsoft.com/office/drawing/2014/main" id="{B93D89CC-8FC2-7AD1-FF17-87BDA6A56640}"/>
-              </a:ext>
-            </a:extLst>
-          </p:cNvPr>
-          <p:cNvPicPr>
-            <a:picLocks noChangeAspect="1"/>
-          </p:cNvPicPr>
-          <p:nvPr/>
-        </p:nvPicPr>
-        <p:blipFill>
-          <a:blip r:embed="rId2"/>
-          <a:stretch>
-            <a:fillRect/>
-          </a:stretch>
-        </p:blipFill>
-        <p:spPr>
-          <a:xfrm>
-            <a:off x="361950" y="1933574"/>
-            <a:ext cx="5724028" cy="2719561"/>
-          </a:xfrm>
-          <a:prstGeom prst="rect">
-            <a:avLst/>
-          </a:prstGeom>
-        </p:spPr>
-      </p:pic>
-      <p:pic>
-        <p:nvPicPr>
-          <p:cNvPr id="7" name="Grafik 6">
-            <a:extLst>
-              <a:ext uri="{FF2B5EF4-FFF2-40B4-BE49-F238E27FC236}">
-                <a16:creationId xmlns:a16="http://schemas.microsoft.com/office/drawing/2014/main" id="{2348DB61-47D3-AFD1-ED9A-550017026A28}"/>
-              </a:ext>
-            </a:extLst>
-          </p:cNvPr>
-          <p:cNvPicPr>
-            <a:picLocks noChangeAspect="1"/>
-          </p:cNvPicPr>
-          <p:nvPr/>
-        </p:nvPicPr>
-        <p:blipFill>
-          <a:blip r:embed="rId3"/>
-          <a:stretch>
-            <a:fillRect/>
-          </a:stretch>
-        </p:blipFill>
-        <p:spPr>
-          <a:xfrm>
-            <a:off x="3157040" y="3598514"/>
-            <a:ext cx="6237718" cy="3134073"/>
-          </a:xfrm>
-          <a:prstGeom prst="rect">
-            <a:avLst/>
-          </a:prstGeom>
-        </p:spPr>
-      </p:pic>
-    </p:spTree>
-    <p:extLst>
-      <p:ext uri="{BB962C8B-B14F-4D97-AF65-F5344CB8AC3E}">
-        <p14:creationId xmlns:p14="http://schemas.microsoft.com/office/powerpoint/2010/main" val="649205124"/>
-      </p:ext>
-    </p:extLst>
-  </p:cSld>
-  <p:clrMapOvr>
-    <a:masterClrMapping/>
-  </p:clrMapOvr>
-</p:sld>
-</file>
-
-<file path=ppt/slides/slide40.xml><?xml version="1.0" encoding="utf-8"?>
+<file path=ppt/slides/slide42.xml><?xml version="1.0" encoding="utf-8"?>
 <p:sld xmlns:a="http://schemas.openxmlformats.org/drawingml/2006/main" xmlns:r="http://schemas.openxmlformats.org/officeDocument/2006/relationships" xmlns:p="http://schemas.openxmlformats.org/presentationml/2006/main">
   <p:cSld>
     <p:spTree>
@@ -9216,7 +9576,7 @@
 </p:sld>
 </file>
 
-<file path=ppt/slides/slide41.xml><?xml version="1.0" encoding="utf-8"?>
+<file path=ppt/slides/slide43.xml><?xml version="1.0" encoding="utf-8"?>
 <p:sld xmlns:a="http://schemas.openxmlformats.org/drawingml/2006/main" xmlns:r="http://schemas.openxmlformats.org/officeDocument/2006/relationships" xmlns:p="http://schemas.openxmlformats.org/presentationml/2006/main">
   <p:cSld>
     <p:spTree>
@@ -9515,7 +9875,7 @@
 </p:sld>
 </file>
 
-<file path=ppt/slides/slide42.xml><?xml version="1.0" encoding="utf-8"?>
+<file path=ppt/slides/slide44.xml><?xml version="1.0" encoding="utf-8"?>
 <p:sld xmlns:a="http://schemas.openxmlformats.org/drawingml/2006/main" xmlns:r="http://schemas.openxmlformats.org/officeDocument/2006/relationships" xmlns:p="http://schemas.openxmlformats.org/presentationml/2006/main">
   <p:cSld>
     <p:spTree>
@@ -9631,7 +9991,7 @@
 </p:sld>
 </file>
 
-<file path=ppt/slides/slide43.xml><?xml version="1.0" encoding="utf-8"?>
+<file path=ppt/slides/slide45.xml><?xml version="1.0" encoding="utf-8"?>
 <p:sld xmlns:a="http://schemas.openxmlformats.org/drawingml/2006/main" xmlns:r="http://schemas.openxmlformats.org/officeDocument/2006/relationships" xmlns:p="http://schemas.openxmlformats.org/presentationml/2006/main">
   <p:cSld>
     <p:spTree>
@@ -9774,7 +10134,7 @@
 </p:sld>
 </file>
 
-<file path=ppt/slides/slide44.xml><?xml version="1.0" encoding="utf-8"?>
+<file path=ppt/slides/slide46.xml><?xml version="1.0" encoding="utf-8"?>
 <p:sld xmlns:a="http://schemas.openxmlformats.org/drawingml/2006/main" xmlns:r="http://schemas.openxmlformats.org/officeDocument/2006/relationships" xmlns:p="http://schemas.openxmlformats.org/presentationml/2006/main">
   <p:cSld>
     <p:spTree>
@@ -9909,6 +10269,277 @@
           <p:cNvPr id="2" name="Titel 1">
             <a:extLst>
               <a:ext uri="{FF2B5EF4-FFF2-40B4-BE49-F238E27FC236}">
+                <a16:creationId xmlns:a16="http://schemas.microsoft.com/office/drawing/2014/main" id="{99029C8B-E585-3986-709E-8AD2331A6BCD}"/>
+              </a:ext>
+            </a:extLst>
+          </p:cNvPr>
+          <p:cNvSpPr>
+            <a:spLocks noGrp="1"/>
+          </p:cNvSpPr>
+          <p:nvPr>
+            <p:ph type="title"/>
+          </p:nvPr>
+        </p:nvSpPr>
+        <p:spPr/>
+        <p:txBody>
+          <a:bodyPr/>
+          <a:lstStyle/>
+          <a:p>
+            <a:r>
+              <a:rPr lang="de-AT" dirty="0"/>
+              <a:t>USB-UART – Treiber herunterladen</a:t>
+            </a:r>
+          </a:p>
+        </p:txBody>
+      </p:sp>
+      <p:sp>
+        <p:nvSpPr>
+          <p:cNvPr id="3" name="Textplatzhalter 2">
+            <a:extLst>
+              <a:ext uri="{FF2B5EF4-FFF2-40B4-BE49-F238E27FC236}">
+                <a16:creationId xmlns:a16="http://schemas.microsoft.com/office/drawing/2014/main" id="{4AF05C6C-87BA-11A3-CEE3-EED801569F04}"/>
+              </a:ext>
+            </a:extLst>
+          </p:cNvPr>
+          <p:cNvSpPr>
+            <a:spLocks noGrp="1"/>
+          </p:cNvSpPr>
+          <p:nvPr>
+            <p:ph type="body" sz="quarter" idx="10"/>
+          </p:nvPr>
+        </p:nvSpPr>
+        <p:spPr/>
+        <p:txBody>
+          <a:bodyPr/>
+          <a:lstStyle/>
+          <a:p>
+            <a:r>
+              <a:rPr lang="de-AT" dirty="0">
+                <a:hlinkClick r:id="rId2"/>
+              </a:rPr>
+              <a:t>https://www.silabs.com/developers/usb-to-uart-bridge-vcp-drivers?tab=downloads</a:t>
+            </a:r>
+            <a:r>
+              <a:rPr lang="de-AT" dirty="0"/>
+              <a:t> </a:t>
+            </a:r>
+          </a:p>
+        </p:txBody>
+      </p:sp>
+      <p:pic>
+        <p:nvPicPr>
+          <p:cNvPr id="5" name="Grafik 4">
+            <a:extLst>
+              <a:ext uri="{FF2B5EF4-FFF2-40B4-BE49-F238E27FC236}">
+                <a16:creationId xmlns:a16="http://schemas.microsoft.com/office/drawing/2014/main" id="{667C692B-87A7-11A4-BB38-081A126AD2F9}"/>
+              </a:ext>
+            </a:extLst>
+          </p:cNvPr>
+          <p:cNvPicPr>
+            <a:picLocks noChangeAspect="1"/>
+          </p:cNvPicPr>
+          <p:nvPr/>
+        </p:nvPicPr>
+        <p:blipFill>
+          <a:blip r:embed="rId3"/>
+          <a:stretch>
+            <a:fillRect/>
+          </a:stretch>
+        </p:blipFill>
+        <p:spPr>
+          <a:xfrm>
+            <a:off x="940892" y="2254031"/>
+            <a:ext cx="7740352" cy="4478556"/>
+          </a:xfrm>
+          <a:prstGeom prst="rect">
+            <a:avLst/>
+          </a:prstGeom>
+        </p:spPr>
+      </p:pic>
+    </p:spTree>
+    <p:extLst>
+      <p:ext uri="{BB962C8B-B14F-4D97-AF65-F5344CB8AC3E}">
+        <p14:creationId xmlns:p14="http://schemas.microsoft.com/office/powerpoint/2010/main" val="1942948245"/>
+      </p:ext>
+    </p:extLst>
+  </p:cSld>
+  <p:clrMapOvr>
+    <a:masterClrMapping/>
+  </p:clrMapOvr>
+</p:sld>
+</file>
+
+<file path=ppt/slides/slide6.xml><?xml version="1.0" encoding="utf-8"?>
+<p:sld xmlns:a="http://schemas.openxmlformats.org/drawingml/2006/main" xmlns:r="http://schemas.openxmlformats.org/officeDocument/2006/relationships" xmlns:p="http://schemas.openxmlformats.org/presentationml/2006/main">
+  <p:cSld>
+    <p:spTree>
+      <p:nvGrpSpPr>
+        <p:cNvPr id="1" name=""/>
+        <p:cNvGrpSpPr/>
+        <p:nvPr/>
+      </p:nvGrpSpPr>
+      <p:grpSpPr>
+        <a:xfrm>
+          <a:off x="0" y="0"/>
+          <a:ext cx="0" cy="0"/>
+          <a:chOff x="0" y="0"/>
+          <a:chExt cx="0" cy="0"/>
+        </a:xfrm>
+      </p:grpSpPr>
+      <p:sp>
+        <p:nvSpPr>
+          <p:cNvPr id="2" name="Titel 1">
+            <a:extLst>
+              <a:ext uri="{FF2B5EF4-FFF2-40B4-BE49-F238E27FC236}">
+                <a16:creationId xmlns:a16="http://schemas.microsoft.com/office/drawing/2014/main" id="{367BA0A3-C631-6702-3AFB-5B0724A8D7A8}"/>
+              </a:ext>
+            </a:extLst>
+          </p:cNvPr>
+          <p:cNvSpPr>
+            <a:spLocks noGrp="1"/>
+          </p:cNvSpPr>
+          <p:nvPr>
+            <p:ph type="title"/>
+          </p:nvPr>
+        </p:nvSpPr>
+        <p:spPr/>
+        <p:txBody>
+          <a:bodyPr/>
+          <a:lstStyle/>
+          <a:p>
+            <a:r>
+              <a:rPr lang="de-AT" dirty="0"/>
+              <a:t>Treiber installieren/aktualisieren</a:t>
+            </a:r>
+          </a:p>
+        </p:txBody>
+      </p:sp>
+      <p:sp>
+        <p:nvSpPr>
+          <p:cNvPr id="3" name="Textplatzhalter 2">
+            <a:extLst>
+              <a:ext uri="{FF2B5EF4-FFF2-40B4-BE49-F238E27FC236}">
+                <a16:creationId xmlns:a16="http://schemas.microsoft.com/office/drawing/2014/main" id="{204C9E44-F632-A3BA-CFD9-ED10E838FA2A}"/>
+              </a:ext>
+            </a:extLst>
+          </p:cNvPr>
+          <p:cNvSpPr>
+            <a:spLocks noGrp="1"/>
+          </p:cNvSpPr>
+          <p:nvPr>
+            <p:ph type="body" sz="quarter" idx="10"/>
+          </p:nvPr>
+        </p:nvSpPr>
+        <p:spPr/>
+        <p:txBody>
+          <a:bodyPr/>
+          <a:lstStyle/>
+          <a:p>
+            <a:r>
+              <a:rPr lang="de-AT" dirty="0"/>
+              <a:t>Entpacken</a:t>
+            </a:r>
+          </a:p>
+          <a:p>
+            <a:endParaRPr lang="de-AT" dirty="0"/>
+          </a:p>
+        </p:txBody>
+      </p:sp>
+      <p:pic>
+        <p:nvPicPr>
+          <p:cNvPr id="5" name="Grafik 4">
+            <a:extLst>
+              <a:ext uri="{FF2B5EF4-FFF2-40B4-BE49-F238E27FC236}">
+                <a16:creationId xmlns:a16="http://schemas.microsoft.com/office/drawing/2014/main" id="{B93D89CC-8FC2-7AD1-FF17-87BDA6A56640}"/>
+              </a:ext>
+            </a:extLst>
+          </p:cNvPr>
+          <p:cNvPicPr>
+            <a:picLocks noChangeAspect="1"/>
+          </p:cNvPicPr>
+          <p:nvPr/>
+        </p:nvPicPr>
+        <p:blipFill>
+          <a:blip r:embed="rId2"/>
+          <a:stretch>
+            <a:fillRect/>
+          </a:stretch>
+        </p:blipFill>
+        <p:spPr>
+          <a:xfrm>
+            <a:off x="361950" y="1933574"/>
+            <a:ext cx="5724028" cy="2719561"/>
+          </a:xfrm>
+          <a:prstGeom prst="rect">
+            <a:avLst/>
+          </a:prstGeom>
+        </p:spPr>
+      </p:pic>
+      <p:pic>
+        <p:nvPicPr>
+          <p:cNvPr id="7" name="Grafik 6">
+            <a:extLst>
+              <a:ext uri="{FF2B5EF4-FFF2-40B4-BE49-F238E27FC236}">
+                <a16:creationId xmlns:a16="http://schemas.microsoft.com/office/drawing/2014/main" id="{2348DB61-47D3-AFD1-ED9A-550017026A28}"/>
+              </a:ext>
+            </a:extLst>
+          </p:cNvPr>
+          <p:cNvPicPr>
+            <a:picLocks noChangeAspect="1"/>
+          </p:cNvPicPr>
+          <p:nvPr/>
+        </p:nvPicPr>
+        <p:blipFill>
+          <a:blip r:embed="rId3"/>
+          <a:stretch>
+            <a:fillRect/>
+          </a:stretch>
+        </p:blipFill>
+        <p:spPr>
+          <a:xfrm>
+            <a:off x="3157040" y="3598514"/>
+            <a:ext cx="6237718" cy="3134073"/>
+          </a:xfrm>
+          <a:prstGeom prst="rect">
+            <a:avLst/>
+          </a:prstGeom>
+        </p:spPr>
+      </p:pic>
+    </p:spTree>
+    <p:extLst>
+      <p:ext uri="{BB962C8B-B14F-4D97-AF65-F5344CB8AC3E}">
+        <p14:creationId xmlns:p14="http://schemas.microsoft.com/office/powerpoint/2010/main" val="649205124"/>
+      </p:ext>
+    </p:extLst>
+  </p:cSld>
+  <p:clrMapOvr>
+    <a:masterClrMapping/>
+  </p:clrMapOvr>
+</p:sld>
+</file>
+
+<file path=ppt/slides/slide7.xml><?xml version="1.0" encoding="utf-8"?>
+<p:sld xmlns:a="http://schemas.openxmlformats.org/drawingml/2006/main" xmlns:r="http://schemas.openxmlformats.org/officeDocument/2006/relationships" xmlns:p="http://schemas.openxmlformats.org/presentationml/2006/main">
+  <p:cSld>
+    <p:spTree>
+      <p:nvGrpSpPr>
+        <p:cNvPr id="1" name=""/>
+        <p:cNvGrpSpPr/>
+        <p:nvPr/>
+      </p:nvGrpSpPr>
+      <p:grpSpPr>
+        <a:xfrm>
+          <a:off x="0" y="0"/>
+          <a:ext cx="0" cy="0"/>
+          <a:chOff x="0" y="0"/>
+          <a:chExt cx="0" cy="0"/>
+        </a:xfrm>
+      </p:grpSpPr>
+      <p:sp>
+        <p:nvSpPr>
+          <p:cNvPr id="2" name="Titel 1">
+            <a:extLst>
+              <a:ext uri="{FF2B5EF4-FFF2-40B4-BE49-F238E27FC236}">
                 <a16:creationId xmlns:a16="http://schemas.microsoft.com/office/drawing/2014/main" id="{9466F4BA-C840-ECB4-FB2E-DFB0F78AD10B}"/>
               </a:ext>
             </a:extLst>
@@ -10027,7 +10658,7 @@
 </p:sld>
 </file>
 
-<file path=ppt/slides/slide6.xml><?xml version="1.0" encoding="utf-8"?>
+<file path=ppt/slides/slide8.xml><?xml version="1.0" encoding="utf-8"?>
 <p:sld xmlns:a="http://schemas.openxmlformats.org/drawingml/2006/main" xmlns:r="http://schemas.openxmlformats.org/officeDocument/2006/relationships" xmlns:p="http://schemas.openxmlformats.org/presentationml/2006/main">
   <p:cSld>
     <p:spTree>
@@ -10148,7 +10779,7 @@
 </p:sld>
 </file>
 
-<file path=ppt/slides/slide7.xml><?xml version="1.0" encoding="utf-8"?>
+<file path=ppt/slides/slide9.xml><?xml version="1.0" encoding="utf-8"?>
 <p:sld xmlns:a="http://schemas.openxmlformats.org/drawingml/2006/main" xmlns:r="http://schemas.openxmlformats.org/officeDocument/2006/relationships" xmlns:p="http://schemas.openxmlformats.org/presentationml/2006/main">
   <p:cSld>
     <p:spTree>
@@ -10392,242 +11023,6 @@
     <p:extLst>
       <p:ext uri="{BB962C8B-B14F-4D97-AF65-F5344CB8AC3E}">
         <p14:creationId xmlns:p14="http://schemas.microsoft.com/office/powerpoint/2010/main" val="2981123860"/>
-      </p:ext>
-    </p:extLst>
-  </p:cSld>
-  <p:clrMapOvr>
-    <a:masterClrMapping/>
-  </p:clrMapOvr>
-</p:sld>
-</file>
-
-<file path=ppt/slides/slide8.xml><?xml version="1.0" encoding="utf-8"?>
-<p:sld xmlns:a="http://schemas.openxmlformats.org/drawingml/2006/main" xmlns:r="http://schemas.openxmlformats.org/officeDocument/2006/relationships" xmlns:p="http://schemas.openxmlformats.org/presentationml/2006/main">
-  <p:cSld>
-    <p:spTree>
-      <p:nvGrpSpPr>
-        <p:cNvPr id="1" name=""/>
-        <p:cNvGrpSpPr/>
-        <p:nvPr/>
-      </p:nvGrpSpPr>
-      <p:grpSpPr>
-        <a:xfrm>
-          <a:off x="0" y="0"/>
-          <a:ext cx="0" cy="0"/>
-          <a:chOff x="0" y="0"/>
-          <a:chExt cx="0" cy="0"/>
-        </a:xfrm>
-      </p:grpSpPr>
-      <p:sp>
-        <p:nvSpPr>
-          <p:cNvPr id="2" name="Titel 1">
-            <a:extLst>
-              <a:ext uri="{FF2B5EF4-FFF2-40B4-BE49-F238E27FC236}">
-                <a16:creationId xmlns:a16="http://schemas.microsoft.com/office/drawing/2014/main" id="{6C711CC9-CACF-1FE9-2441-2A1B7BB96AD1}"/>
-              </a:ext>
-            </a:extLst>
-          </p:cNvPr>
-          <p:cNvSpPr>
-            <a:spLocks noGrp="1"/>
-          </p:cNvSpPr>
-          <p:nvPr>
-            <p:ph type="title"/>
-          </p:nvPr>
-        </p:nvSpPr>
-        <p:spPr/>
-        <p:txBody>
-          <a:bodyPr/>
-          <a:lstStyle/>
-          <a:p>
-            <a:r>
-              <a:rPr lang="de-AT" dirty="0"/>
-              <a:t>Verwendete Hardware – ESP32</a:t>
-            </a:r>
-          </a:p>
-        </p:txBody>
-      </p:sp>
-      <p:sp>
-        <p:nvSpPr>
-          <p:cNvPr id="3" name="Textplatzhalter 2">
-            <a:extLst>
-              <a:ext uri="{FF2B5EF4-FFF2-40B4-BE49-F238E27FC236}">
-                <a16:creationId xmlns:a16="http://schemas.microsoft.com/office/drawing/2014/main" id="{878383DE-2EB8-C99D-B95F-A8B24B64FEDE}"/>
-              </a:ext>
-            </a:extLst>
-          </p:cNvPr>
-          <p:cNvSpPr>
-            <a:spLocks noGrp="1"/>
-          </p:cNvSpPr>
-          <p:nvPr>
-            <p:ph type="body" sz="quarter" idx="10"/>
-          </p:nvPr>
-        </p:nvSpPr>
-        <p:spPr/>
-        <p:txBody>
-          <a:bodyPr/>
-          <a:lstStyle/>
-          <a:p>
-            <a:endParaRPr lang="de-AT"/>
-          </a:p>
-        </p:txBody>
-      </p:sp>
-      <p:pic>
-        <p:nvPicPr>
-          <p:cNvPr id="5" name="Grafik 4">
-            <a:extLst>
-              <a:ext uri="{FF2B5EF4-FFF2-40B4-BE49-F238E27FC236}">
-                <a16:creationId xmlns:a16="http://schemas.microsoft.com/office/drawing/2014/main" id="{A84CE14C-7292-700F-6BB8-C79102E97710}"/>
-              </a:ext>
-            </a:extLst>
-          </p:cNvPr>
-          <p:cNvPicPr>
-            <a:picLocks noChangeAspect="1"/>
-          </p:cNvPicPr>
-          <p:nvPr/>
-        </p:nvPicPr>
-        <p:blipFill>
-          <a:blip r:embed="rId2"/>
-          <a:stretch>
-            <a:fillRect/>
-          </a:stretch>
-        </p:blipFill>
-        <p:spPr>
-          <a:xfrm>
-            <a:off x="467544" y="914282"/>
-            <a:ext cx="8229600" cy="5899094"/>
-          </a:xfrm>
-          <a:prstGeom prst="rect">
-            <a:avLst/>
-          </a:prstGeom>
-        </p:spPr>
-      </p:pic>
-    </p:spTree>
-    <p:extLst>
-      <p:ext uri="{BB962C8B-B14F-4D97-AF65-F5344CB8AC3E}">
-        <p14:creationId xmlns:p14="http://schemas.microsoft.com/office/powerpoint/2010/main" val="1621838096"/>
-      </p:ext>
-    </p:extLst>
-  </p:cSld>
-  <p:clrMapOvr>
-    <a:masterClrMapping/>
-  </p:clrMapOvr>
-</p:sld>
-</file>
-
-<file path=ppt/slides/slide9.xml><?xml version="1.0" encoding="utf-8"?>
-<p:sld xmlns:a="http://schemas.openxmlformats.org/drawingml/2006/main" xmlns:r="http://schemas.openxmlformats.org/officeDocument/2006/relationships" xmlns:p="http://schemas.openxmlformats.org/presentationml/2006/main">
-  <p:cSld>
-    <p:spTree>
-      <p:nvGrpSpPr>
-        <p:cNvPr id="1" name=""/>
-        <p:cNvGrpSpPr/>
-        <p:nvPr/>
-      </p:nvGrpSpPr>
-      <p:grpSpPr>
-        <a:xfrm>
-          <a:off x="0" y="0"/>
-          <a:ext cx="0" cy="0"/>
-          <a:chOff x="0" y="0"/>
-          <a:chExt cx="0" cy="0"/>
-        </a:xfrm>
-      </p:grpSpPr>
-      <p:sp>
-        <p:nvSpPr>
-          <p:cNvPr id="2" name="Titel 1">
-            <a:extLst>
-              <a:ext uri="{FF2B5EF4-FFF2-40B4-BE49-F238E27FC236}">
-                <a16:creationId xmlns:a16="http://schemas.microsoft.com/office/drawing/2014/main" id="{81F72350-18C3-DBCD-F739-EF757B000867}"/>
-              </a:ext>
-            </a:extLst>
-          </p:cNvPr>
-          <p:cNvSpPr>
-            <a:spLocks noGrp="1"/>
-          </p:cNvSpPr>
-          <p:nvPr>
-            <p:ph type="title"/>
-          </p:nvPr>
-        </p:nvSpPr>
-        <p:spPr/>
-        <p:txBody>
-          <a:bodyPr/>
-          <a:lstStyle/>
-          <a:p>
-            <a:r>
-              <a:rPr lang="de-AT" dirty="0"/>
-              <a:t>LED-Modul</a:t>
-            </a:r>
-          </a:p>
-        </p:txBody>
-      </p:sp>
-      <p:sp>
-        <p:nvSpPr>
-          <p:cNvPr id="3" name="Textplatzhalter 2">
-            <a:extLst>
-              <a:ext uri="{FF2B5EF4-FFF2-40B4-BE49-F238E27FC236}">
-                <a16:creationId xmlns:a16="http://schemas.microsoft.com/office/drawing/2014/main" id="{A502C1C9-325F-EE9E-A499-B0F0B44529E6}"/>
-              </a:ext>
-            </a:extLst>
-          </p:cNvPr>
-          <p:cNvSpPr>
-            <a:spLocks noGrp="1"/>
-          </p:cNvSpPr>
-          <p:nvPr>
-            <p:ph type="body" sz="quarter" idx="10"/>
-          </p:nvPr>
-        </p:nvSpPr>
-        <p:spPr/>
-        <p:txBody>
-          <a:bodyPr/>
-          <a:lstStyle/>
-          <a:p>
-            <a:r>
-              <a:rPr lang="de-AT" sz="2400" dirty="0"/>
-              <a:t>- </a:t>
-            </a:r>
-            <a:r>
-              <a:rPr lang="de-AT" sz="2400" dirty="0">
-                <a:sym typeface="Wingdings" panose="05000000000000000000" pitchFamily="2" charset="2"/>
-              </a:rPr>
-              <a:t> GND, G  GPIO17, R  GPIO18, B  GPIO19</a:t>
-            </a:r>
-            <a:endParaRPr lang="de-AT" sz="2400" dirty="0"/>
-          </a:p>
-        </p:txBody>
-      </p:sp>
-      <p:pic>
-        <p:nvPicPr>
-          <p:cNvPr id="5" name="Grafik 4">
-            <a:extLst>
-              <a:ext uri="{FF2B5EF4-FFF2-40B4-BE49-F238E27FC236}">
-                <a16:creationId xmlns:a16="http://schemas.microsoft.com/office/drawing/2014/main" id="{CE73B5DA-3032-7C1A-9385-80E5F17E31A7}"/>
-              </a:ext>
-            </a:extLst>
-          </p:cNvPr>
-          <p:cNvPicPr>
-            <a:picLocks noChangeAspect="1"/>
-          </p:cNvPicPr>
-          <p:nvPr/>
-        </p:nvPicPr>
-        <p:blipFill>
-          <a:blip r:embed="rId2"/>
-          <a:stretch>
-            <a:fillRect/>
-          </a:stretch>
-        </p:blipFill>
-        <p:spPr>
-          <a:xfrm>
-            <a:off x="1907704" y="2348880"/>
-            <a:ext cx="5114925" cy="4171950"/>
-          </a:xfrm>
-          <a:prstGeom prst="rect">
-            <a:avLst/>
-          </a:prstGeom>
-        </p:spPr>
-      </p:pic>
-    </p:spTree>
-    <p:extLst>
-      <p:ext uri="{BB962C8B-B14F-4D97-AF65-F5344CB8AC3E}">
-        <p14:creationId xmlns:p14="http://schemas.microsoft.com/office/powerpoint/2010/main" val="1974185882"/>
       </p:ext>
     </p:extLst>
   </p:cSld>
